--- a/balsamiq/디자인 무드보드_김수희.pptx
+++ b/balsamiq/디자인 무드보드_김수희.pptx
@@ -1,6 +1,6 @@
 
 <file path=ppt/presentation.xml><?xml version="1.0" encoding="utf-8"?>
-<p:presentation xmlns:a="http://schemas.openxmlformats.org/drawingml/2006/main" xmlns:r="http://schemas.openxmlformats.org/officeDocument/2006/relationships" xmlns:p="http://schemas.openxmlformats.org/presentationml/2006/main" embedTrueTypeFonts="1" saveSubsetFonts="1">
+<p:presentation xmlns:a="http://schemas.openxmlformats.org/drawingml/2006/main" xmlns:r="http://schemas.openxmlformats.org/officeDocument/2006/relationships" xmlns:p="http://schemas.openxmlformats.org/presentationml/2006/main" embedTrueTypeFonts="1">
   <p:sldMasterIdLst>
     <p:sldMasterId id="2147483648" r:id="rId1"/>
   </p:sldMasterIdLst>
@@ -19,21 +19,17 @@
   <p:notesSz cx="6858000" cy="9144000"/>
   <p:embeddedFontLst>
     <p:embeddedFont>
-      <p:font typeface="맑은 고딕" panose="020B0503020000020004" pitchFamily="50" charset="-127"/>
+      <p:font typeface="12롯데마트행복Light" panose="02020603020101020101" pitchFamily="18" charset="-127"/>
       <p:regular r:id="rId9"/>
-      <p:bold r:id="rId10"/>
-    </p:embeddedFont>
-    <p:embeddedFont>
-      <p:font typeface="아리따-돋움(TTF)-Bold" panose="02020603020101020101" pitchFamily="18" charset="-127"/>
-      <p:regular r:id="rId11"/>
-    </p:embeddedFont>
-    <p:embeddedFont>
-      <p:font typeface="12롯데마트행복Light" panose="02020603020101020101" pitchFamily="18" charset="-127"/>
-      <p:regular r:id="rId12"/>
     </p:embeddedFont>
     <p:embeddedFont>
       <p:font typeface="가나초콜릿" panose="020B0600000101010101" pitchFamily="50" charset="-127"/>
-      <p:regular r:id="rId13"/>
+      <p:regular r:id="rId10"/>
+    </p:embeddedFont>
+    <p:embeddedFont>
+      <p:font typeface="맑은 고딕" panose="020B0503020000020004" pitchFamily="50" charset="-127"/>
+      <p:regular r:id="rId11"/>
+      <p:bold r:id="rId12"/>
     </p:embeddedFont>
   </p:embeddedFontLst>
   <p:defaultTextStyle>
@@ -133,7 +129,18 @@
   </p:defaultTextStyle>
   <p:extLst>
     <p:ext uri="{EFAFB233-063F-42B5-8137-9DF3F51BA10A}">
-      <p15:sldGuideLst xmlns:p15="http://schemas.microsoft.com/office/powerpoint/2012/main" xmlns=""/>
+      <p15:sldGuideLst xmlns:p15="http://schemas.microsoft.com/office/powerpoint/2012/main">
+        <p15:guide id="1" orient="horz" pos="2160">
+          <p15:clr>
+            <a:srgbClr val="A4A3A4"/>
+          </p15:clr>
+        </p15:guide>
+        <p15:guide id="2" pos="3840">
+          <p15:clr>
+            <a:srgbClr val="A4A3A4"/>
+          </p15:clr>
+        </p15:guide>
+      </p15:sldGuideLst>
     </p:ext>
   </p:extLst>
 </p:presentation>
@@ -221,7 +228,7 @@
           <a:p>
             <a:fld id="{8D0347ED-4AC5-483B-BF0F-60D71FF4D1AC}" type="datetimeFigureOut">
               <a:rPr lang="ko-KR" altLang="en-US" smtClean="0"/>
-              <a:t>2020-03-19</a:t>
+              <a:t>2020-04-16</a:t>
             </a:fld>
             <a:endParaRPr lang="ko-KR" altLang="en-US"/>
           </a:p>
@@ -594,7 +601,7 @@
           <p:cNvPr id="2" name="제목 1">
             <a:extLst>
               <a:ext uri="{FF2B5EF4-FFF2-40B4-BE49-F238E27FC236}">
-                <a16:creationId xmlns:a16="http://schemas.microsoft.com/office/drawing/2014/main" xmlns="" id="{30D7A9A0-9966-4191-8CB5-051ED40D4D0D}"/>
+                <a16:creationId xmlns:a16="http://schemas.microsoft.com/office/drawing/2014/main" id="{30D7A9A0-9966-4191-8CB5-051ED40D4D0D}"/>
               </a:ext>
             </a:extLst>
           </p:cNvPr>
@@ -631,7 +638,7 @@
           <p:cNvPr id="3" name="부제목 2">
             <a:extLst>
               <a:ext uri="{FF2B5EF4-FFF2-40B4-BE49-F238E27FC236}">
-                <a16:creationId xmlns:a16="http://schemas.microsoft.com/office/drawing/2014/main" xmlns="" id="{2118381E-7A91-4390-B74E-42C7B30CC0FB}"/>
+                <a16:creationId xmlns:a16="http://schemas.microsoft.com/office/drawing/2014/main" id="{2118381E-7A91-4390-B74E-42C7B30CC0FB}"/>
               </a:ext>
             </a:extLst>
           </p:cNvPr>
@@ -701,7 +708,7 @@
           <p:cNvPr id="4" name="날짜 개체 틀 3">
             <a:extLst>
               <a:ext uri="{FF2B5EF4-FFF2-40B4-BE49-F238E27FC236}">
-                <a16:creationId xmlns:a16="http://schemas.microsoft.com/office/drawing/2014/main" xmlns="" id="{BB4D5F52-D0D2-4AB9-B7A5-9D4E2650001D}"/>
+                <a16:creationId xmlns:a16="http://schemas.microsoft.com/office/drawing/2014/main" id="{BB4D5F52-D0D2-4AB9-B7A5-9D4E2650001D}"/>
               </a:ext>
             </a:extLst>
           </p:cNvPr>
@@ -719,7 +726,7 @@
           <a:p>
             <a:fld id="{9AEE0FAB-3E72-4B5E-A35E-47F707BCA1CB}" type="datetimeFigureOut">
               <a:rPr lang="ko-KR" altLang="en-US" smtClean="0"/>
-              <a:t>2020-03-19</a:t>
+              <a:t>2020-04-16</a:t>
             </a:fld>
             <a:endParaRPr lang="ko-KR" altLang="en-US"/>
           </a:p>
@@ -730,7 +737,7 @@
           <p:cNvPr id="5" name="바닥글 개체 틀 4">
             <a:extLst>
               <a:ext uri="{FF2B5EF4-FFF2-40B4-BE49-F238E27FC236}">
-                <a16:creationId xmlns:a16="http://schemas.microsoft.com/office/drawing/2014/main" xmlns="" id="{113926D9-83F2-4E29-A78B-289CC99B0BC1}"/>
+                <a16:creationId xmlns:a16="http://schemas.microsoft.com/office/drawing/2014/main" id="{113926D9-83F2-4E29-A78B-289CC99B0BC1}"/>
               </a:ext>
             </a:extLst>
           </p:cNvPr>
@@ -755,7 +762,7 @@
           <p:cNvPr id="6" name="슬라이드 번호 개체 틀 5">
             <a:extLst>
               <a:ext uri="{FF2B5EF4-FFF2-40B4-BE49-F238E27FC236}">
-                <a16:creationId xmlns:a16="http://schemas.microsoft.com/office/drawing/2014/main" xmlns="" id="{D4AA0EF3-768F-4ECE-88EA-F4C37BEC908D}"/>
+                <a16:creationId xmlns:a16="http://schemas.microsoft.com/office/drawing/2014/main" id="{D4AA0EF3-768F-4ECE-88EA-F4C37BEC908D}"/>
               </a:ext>
             </a:extLst>
           </p:cNvPr>
@@ -814,7 +821,7 @@
           <p:cNvPr id="2" name="제목 1">
             <a:extLst>
               <a:ext uri="{FF2B5EF4-FFF2-40B4-BE49-F238E27FC236}">
-                <a16:creationId xmlns:a16="http://schemas.microsoft.com/office/drawing/2014/main" xmlns="" id="{ADA245F0-FF71-48BE-AB8C-A1003C35EC01}"/>
+                <a16:creationId xmlns:a16="http://schemas.microsoft.com/office/drawing/2014/main" id="{ADA245F0-FF71-48BE-AB8C-A1003C35EC01}"/>
               </a:ext>
             </a:extLst>
           </p:cNvPr>
@@ -842,7 +849,7 @@
           <p:cNvPr id="3" name="세로 텍스트 개체 틀 2">
             <a:extLst>
               <a:ext uri="{FF2B5EF4-FFF2-40B4-BE49-F238E27FC236}">
-                <a16:creationId xmlns:a16="http://schemas.microsoft.com/office/drawing/2014/main" xmlns="" id="{A8E22086-2FF2-4B0C-ACEE-24CDE5FB4A23}"/>
+                <a16:creationId xmlns:a16="http://schemas.microsoft.com/office/drawing/2014/main" id="{A8E22086-2FF2-4B0C-ACEE-24CDE5FB4A23}"/>
               </a:ext>
             </a:extLst>
           </p:cNvPr>
@@ -899,7 +906,7 @@
           <p:cNvPr id="4" name="날짜 개체 틀 3">
             <a:extLst>
               <a:ext uri="{FF2B5EF4-FFF2-40B4-BE49-F238E27FC236}">
-                <a16:creationId xmlns:a16="http://schemas.microsoft.com/office/drawing/2014/main" xmlns="" id="{C34BECCE-60B4-4BA8-9627-F417F3E9619C}"/>
+                <a16:creationId xmlns:a16="http://schemas.microsoft.com/office/drawing/2014/main" id="{C34BECCE-60B4-4BA8-9627-F417F3E9619C}"/>
               </a:ext>
             </a:extLst>
           </p:cNvPr>
@@ -917,7 +924,7 @@
           <a:p>
             <a:fld id="{9AEE0FAB-3E72-4B5E-A35E-47F707BCA1CB}" type="datetimeFigureOut">
               <a:rPr lang="ko-KR" altLang="en-US" smtClean="0"/>
-              <a:t>2020-03-19</a:t>
+              <a:t>2020-04-16</a:t>
             </a:fld>
             <a:endParaRPr lang="ko-KR" altLang="en-US"/>
           </a:p>
@@ -928,7 +935,7 @@
           <p:cNvPr id="5" name="바닥글 개체 틀 4">
             <a:extLst>
               <a:ext uri="{FF2B5EF4-FFF2-40B4-BE49-F238E27FC236}">
-                <a16:creationId xmlns:a16="http://schemas.microsoft.com/office/drawing/2014/main" xmlns="" id="{AE88BE56-604D-47EA-8C77-054B0A58644C}"/>
+                <a16:creationId xmlns:a16="http://schemas.microsoft.com/office/drawing/2014/main" id="{AE88BE56-604D-47EA-8C77-054B0A58644C}"/>
               </a:ext>
             </a:extLst>
           </p:cNvPr>
@@ -953,7 +960,7 @@
           <p:cNvPr id="6" name="슬라이드 번호 개체 틀 5">
             <a:extLst>
               <a:ext uri="{FF2B5EF4-FFF2-40B4-BE49-F238E27FC236}">
-                <a16:creationId xmlns:a16="http://schemas.microsoft.com/office/drawing/2014/main" xmlns="" id="{4355954B-D27E-4ED3-889E-86BD18236D6C}"/>
+                <a16:creationId xmlns:a16="http://schemas.microsoft.com/office/drawing/2014/main" id="{4355954B-D27E-4ED3-889E-86BD18236D6C}"/>
               </a:ext>
             </a:extLst>
           </p:cNvPr>
@@ -1012,7 +1019,7 @@
           <p:cNvPr id="2" name="세로 제목 1">
             <a:extLst>
               <a:ext uri="{FF2B5EF4-FFF2-40B4-BE49-F238E27FC236}">
-                <a16:creationId xmlns:a16="http://schemas.microsoft.com/office/drawing/2014/main" xmlns="" id="{0011E9EA-026F-4115-B21D-55BB6F4957CC}"/>
+                <a16:creationId xmlns:a16="http://schemas.microsoft.com/office/drawing/2014/main" id="{0011E9EA-026F-4115-B21D-55BB6F4957CC}"/>
               </a:ext>
             </a:extLst>
           </p:cNvPr>
@@ -1045,7 +1052,7 @@
           <p:cNvPr id="3" name="세로 텍스트 개체 틀 2">
             <a:extLst>
               <a:ext uri="{FF2B5EF4-FFF2-40B4-BE49-F238E27FC236}">
-                <a16:creationId xmlns:a16="http://schemas.microsoft.com/office/drawing/2014/main" xmlns="" id="{CB5299D2-C29E-4DDA-A7AF-73B01288C977}"/>
+                <a16:creationId xmlns:a16="http://schemas.microsoft.com/office/drawing/2014/main" id="{CB5299D2-C29E-4DDA-A7AF-73B01288C977}"/>
               </a:ext>
             </a:extLst>
           </p:cNvPr>
@@ -1107,7 +1114,7 @@
           <p:cNvPr id="4" name="날짜 개체 틀 3">
             <a:extLst>
               <a:ext uri="{FF2B5EF4-FFF2-40B4-BE49-F238E27FC236}">
-                <a16:creationId xmlns:a16="http://schemas.microsoft.com/office/drawing/2014/main" xmlns="" id="{74BB5613-83C2-43DF-8814-9E00E523BC57}"/>
+                <a16:creationId xmlns:a16="http://schemas.microsoft.com/office/drawing/2014/main" id="{74BB5613-83C2-43DF-8814-9E00E523BC57}"/>
               </a:ext>
             </a:extLst>
           </p:cNvPr>
@@ -1125,7 +1132,7 @@
           <a:p>
             <a:fld id="{9AEE0FAB-3E72-4B5E-A35E-47F707BCA1CB}" type="datetimeFigureOut">
               <a:rPr lang="ko-KR" altLang="en-US" smtClean="0"/>
-              <a:t>2020-03-19</a:t>
+              <a:t>2020-04-16</a:t>
             </a:fld>
             <a:endParaRPr lang="ko-KR" altLang="en-US"/>
           </a:p>
@@ -1136,7 +1143,7 @@
           <p:cNvPr id="5" name="바닥글 개체 틀 4">
             <a:extLst>
               <a:ext uri="{FF2B5EF4-FFF2-40B4-BE49-F238E27FC236}">
-                <a16:creationId xmlns:a16="http://schemas.microsoft.com/office/drawing/2014/main" xmlns="" id="{13C278A8-D18C-40C1-AED2-C954E3DC34FC}"/>
+                <a16:creationId xmlns:a16="http://schemas.microsoft.com/office/drawing/2014/main" id="{13C278A8-D18C-40C1-AED2-C954E3DC34FC}"/>
               </a:ext>
             </a:extLst>
           </p:cNvPr>
@@ -1161,7 +1168,7 @@
           <p:cNvPr id="6" name="슬라이드 번호 개체 틀 5">
             <a:extLst>
               <a:ext uri="{FF2B5EF4-FFF2-40B4-BE49-F238E27FC236}">
-                <a16:creationId xmlns:a16="http://schemas.microsoft.com/office/drawing/2014/main" xmlns="" id="{505FBCC6-D0EE-44AB-B809-FE481BC3AFD9}"/>
+                <a16:creationId xmlns:a16="http://schemas.microsoft.com/office/drawing/2014/main" id="{505FBCC6-D0EE-44AB-B809-FE481BC3AFD9}"/>
               </a:ext>
             </a:extLst>
           </p:cNvPr>
@@ -1220,7 +1227,7 @@
           <p:cNvPr id="2" name="제목 1">
             <a:extLst>
               <a:ext uri="{FF2B5EF4-FFF2-40B4-BE49-F238E27FC236}">
-                <a16:creationId xmlns:a16="http://schemas.microsoft.com/office/drawing/2014/main" xmlns="" id="{073749BD-F3E5-47AD-AE04-2D579C7402EC}"/>
+                <a16:creationId xmlns:a16="http://schemas.microsoft.com/office/drawing/2014/main" id="{073749BD-F3E5-47AD-AE04-2D579C7402EC}"/>
               </a:ext>
             </a:extLst>
           </p:cNvPr>
@@ -1248,7 +1255,7 @@
           <p:cNvPr id="3" name="내용 개체 틀 2">
             <a:extLst>
               <a:ext uri="{FF2B5EF4-FFF2-40B4-BE49-F238E27FC236}">
-                <a16:creationId xmlns:a16="http://schemas.microsoft.com/office/drawing/2014/main" xmlns="" id="{CC9DD861-CC43-4077-9335-C1474A05D732}"/>
+                <a16:creationId xmlns:a16="http://schemas.microsoft.com/office/drawing/2014/main" id="{CC9DD861-CC43-4077-9335-C1474A05D732}"/>
               </a:ext>
             </a:extLst>
           </p:cNvPr>
@@ -1305,7 +1312,7 @@
           <p:cNvPr id="4" name="날짜 개체 틀 3">
             <a:extLst>
               <a:ext uri="{FF2B5EF4-FFF2-40B4-BE49-F238E27FC236}">
-                <a16:creationId xmlns:a16="http://schemas.microsoft.com/office/drawing/2014/main" xmlns="" id="{A4811E99-4BFF-45F9-9169-D0DDA43BBD97}"/>
+                <a16:creationId xmlns:a16="http://schemas.microsoft.com/office/drawing/2014/main" id="{A4811E99-4BFF-45F9-9169-D0DDA43BBD97}"/>
               </a:ext>
             </a:extLst>
           </p:cNvPr>
@@ -1323,7 +1330,7 @@
           <a:p>
             <a:fld id="{9AEE0FAB-3E72-4B5E-A35E-47F707BCA1CB}" type="datetimeFigureOut">
               <a:rPr lang="ko-KR" altLang="en-US" smtClean="0"/>
-              <a:t>2020-03-19</a:t>
+              <a:t>2020-04-16</a:t>
             </a:fld>
             <a:endParaRPr lang="ko-KR" altLang="en-US"/>
           </a:p>
@@ -1334,7 +1341,7 @@
           <p:cNvPr id="5" name="바닥글 개체 틀 4">
             <a:extLst>
               <a:ext uri="{FF2B5EF4-FFF2-40B4-BE49-F238E27FC236}">
-                <a16:creationId xmlns:a16="http://schemas.microsoft.com/office/drawing/2014/main" xmlns="" id="{2ECFA5BC-0CFB-4BAB-8659-65178F0604D0}"/>
+                <a16:creationId xmlns:a16="http://schemas.microsoft.com/office/drawing/2014/main" id="{2ECFA5BC-0CFB-4BAB-8659-65178F0604D0}"/>
               </a:ext>
             </a:extLst>
           </p:cNvPr>
@@ -1359,7 +1366,7 @@
           <p:cNvPr id="6" name="슬라이드 번호 개체 틀 5">
             <a:extLst>
               <a:ext uri="{FF2B5EF4-FFF2-40B4-BE49-F238E27FC236}">
-                <a16:creationId xmlns:a16="http://schemas.microsoft.com/office/drawing/2014/main" xmlns="" id="{E05E0D19-E967-4F41-BCC8-FB5C9102CB04}"/>
+                <a16:creationId xmlns:a16="http://schemas.microsoft.com/office/drawing/2014/main" id="{E05E0D19-E967-4F41-BCC8-FB5C9102CB04}"/>
               </a:ext>
             </a:extLst>
           </p:cNvPr>
@@ -1418,7 +1425,7 @@
           <p:cNvPr id="2" name="제목 1">
             <a:extLst>
               <a:ext uri="{FF2B5EF4-FFF2-40B4-BE49-F238E27FC236}">
-                <a16:creationId xmlns:a16="http://schemas.microsoft.com/office/drawing/2014/main" xmlns="" id="{3D78B2F4-2B22-44CC-A727-E31579FAC21F}"/>
+                <a16:creationId xmlns:a16="http://schemas.microsoft.com/office/drawing/2014/main" id="{3D78B2F4-2B22-44CC-A727-E31579FAC21F}"/>
               </a:ext>
             </a:extLst>
           </p:cNvPr>
@@ -1455,7 +1462,7 @@
           <p:cNvPr id="3" name="텍스트 개체 틀 2">
             <a:extLst>
               <a:ext uri="{FF2B5EF4-FFF2-40B4-BE49-F238E27FC236}">
-                <a16:creationId xmlns:a16="http://schemas.microsoft.com/office/drawing/2014/main" xmlns="" id="{805D1F7B-E6DB-4B7E-B193-4A1B47660A8B}"/>
+                <a16:creationId xmlns:a16="http://schemas.microsoft.com/office/drawing/2014/main" id="{805D1F7B-E6DB-4B7E-B193-4A1B47660A8B}"/>
               </a:ext>
             </a:extLst>
           </p:cNvPr>
@@ -1580,7 +1587,7 @@
           <p:cNvPr id="4" name="날짜 개체 틀 3">
             <a:extLst>
               <a:ext uri="{FF2B5EF4-FFF2-40B4-BE49-F238E27FC236}">
-                <a16:creationId xmlns:a16="http://schemas.microsoft.com/office/drawing/2014/main" xmlns="" id="{1A91F6B2-EFE2-43E9-844C-00AF553DA832}"/>
+                <a16:creationId xmlns:a16="http://schemas.microsoft.com/office/drawing/2014/main" id="{1A91F6B2-EFE2-43E9-844C-00AF553DA832}"/>
               </a:ext>
             </a:extLst>
           </p:cNvPr>
@@ -1598,7 +1605,7 @@
           <a:p>
             <a:fld id="{9AEE0FAB-3E72-4B5E-A35E-47F707BCA1CB}" type="datetimeFigureOut">
               <a:rPr lang="ko-KR" altLang="en-US" smtClean="0"/>
-              <a:t>2020-03-19</a:t>
+              <a:t>2020-04-16</a:t>
             </a:fld>
             <a:endParaRPr lang="ko-KR" altLang="en-US"/>
           </a:p>
@@ -1609,7 +1616,7 @@
           <p:cNvPr id="5" name="바닥글 개체 틀 4">
             <a:extLst>
               <a:ext uri="{FF2B5EF4-FFF2-40B4-BE49-F238E27FC236}">
-                <a16:creationId xmlns:a16="http://schemas.microsoft.com/office/drawing/2014/main" xmlns="" id="{7FFB05A8-5C82-4A97-BD64-93F3A70E8AE0}"/>
+                <a16:creationId xmlns:a16="http://schemas.microsoft.com/office/drawing/2014/main" id="{7FFB05A8-5C82-4A97-BD64-93F3A70E8AE0}"/>
               </a:ext>
             </a:extLst>
           </p:cNvPr>
@@ -1634,7 +1641,7 @@
           <p:cNvPr id="6" name="슬라이드 번호 개체 틀 5">
             <a:extLst>
               <a:ext uri="{FF2B5EF4-FFF2-40B4-BE49-F238E27FC236}">
-                <a16:creationId xmlns:a16="http://schemas.microsoft.com/office/drawing/2014/main" xmlns="" id="{52DF1684-13AE-4D90-8E36-2DA048DD8A4B}"/>
+                <a16:creationId xmlns:a16="http://schemas.microsoft.com/office/drawing/2014/main" id="{52DF1684-13AE-4D90-8E36-2DA048DD8A4B}"/>
               </a:ext>
             </a:extLst>
           </p:cNvPr>
@@ -1693,7 +1700,7 @@
           <p:cNvPr id="2" name="제목 1">
             <a:extLst>
               <a:ext uri="{FF2B5EF4-FFF2-40B4-BE49-F238E27FC236}">
-                <a16:creationId xmlns:a16="http://schemas.microsoft.com/office/drawing/2014/main" xmlns="" id="{A540A774-DD8D-43A3-8175-CE68C991B3EA}"/>
+                <a16:creationId xmlns:a16="http://schemas.microsoft.com/office/drawing/2014/main" id="{A540A774-DD8D-43A3-8175-CE68C991B3EA}"/>
               </a:ext>
             </a:extLst>
           </p:cNvPr>
@@ -1721,7 +1728,7 @@
           <p:cNvPr id="3" name="내용 개체 틀 2">
             <a:extLst>
               <a:ext uri="{FF2B5EF4-FFF2-40B4-BE49-F238E27FC236}">
-                <a16:creationId xmlns:a16="http://schemas.microsoft.com/office/drawing/2014/main" xmlns="" id="{4A5767C8-4A7E-466D-9345-9BE121B5E5E6}"/>
+                <a16:creationId xmlns:a16="http://schemas.microsoft.com/office/drawing/2014/main" id="{4A5767C8-4A7E-466D-9345-9BE121B5E5E6}"/>
               </a:ext>
             </a:extLst>
           </p:cNvPr>
@@ -1783,7 +1790,7 @@
           <p:cNvPr id="4" name="내용 개체 틀 3">
             <a:extLst>
               <a:ext uri="{FF2B5EF4-FFF2-40B4-BE49-F238E27FC236}">
-                <a16:creationId xmlns:a16="http://schemas.microsoft.com/office/drawing/2014/main" xmlns="" id="{A79387A4-CA16-4FFD-B9EC-F0FD362713AE}"/>
+                <a16:creationId xmlns:a16="http://schemas.microsoft.com/office/drawing/2014/main" id="{A79387A4-CA16-4FFD-B9EC-F0FD362713AE}"/>
               </a:ext>
             </a:extLst>
           </p:cNvPr>
@@ -1845,7 +1852,7 @@
           <p:cNvPr id="5" name="날짜 개체 틀 4">
             <a:extLst>
               <a:ext uri="{FF2B5EF4-FFF2-40B4-BE49-F238E27FC236}">
-                <a16:creationId xmlns:a16="http://schemas.microsoft.com/office/drawing/2014/main" xmlns="" id="{86F45DDA-82CC-4A6F-971B-C5492FD1C2CE}"/>
+                <a16:creationId xmlns:a16="http://schemas.microsoft.com/office/drawing/2014/main" id="{86F45DDA-82CC-4A6F-971B-C5492FD1C2CE}"/>
               </a:ext>
             </a:extLst>
           </p:cNvPr>
@@ -1863,7 +1870,7 @@
           <a:p>
             <a:fld id="{9AEE0FAB-3E72-4B5E-A35E-47F707BCA1CB}" type="datetimeFigureOut">
               <a:rPr lang="ko-KR" altLang="en-US" smtClean="0"/>
-              <a:t>2020-03-19</a:t>
+              <a:t>2020-04-16</a:t>
             </a:fld>
             <a:endParaRPr lang="ko-KR" altLang="en-US"/>
           </a:p>
@@ -1874,7 +1881,7 @@
           <p:cNvPr id="6" name="바닥글 개체 틀 5">
             <a:extLst>
               <a:ext uri="{FF2B5EF4-FFF2-40B4-BE49-F238E27FC236}">
-                <a16:creationId xmlns:a16="http://schemas.microsoft.com/office/drawing/2014/main" xmlns="" id="{F0C9BC39-19A4-41D7-B801-A2617D32FA42}"/>
+                <a16:creationId xmlns:a16="http://schemas.microsoft.com/office/drawing/2014/main" id="{F0C9BC39-19A4-41D7-B801-A2617D32FA42}"/>
               </a:ext>
             </a:extLst>
           </p:cNvPr>
@@ -1899,7 +1906,7 @@
           <p:cNvPr id="7" name="슬라이드 번호 개체 틀 6">
             <a:extLst>
               <a:ext uri="{FF2B5EF4-FFF2-40B4-BE49-F238E27FC236}">
-                <a16:creationId xmlns:a16="http://schemas.microsoft.com/office/drawing/2014/main" xmlns="" id="{69AC14E2-72EB-4870-AABB-9B3F70A168E5}"/>
+                <a16:creationId xmlns:a16="http://schemas.microsoft.com/office/drawing/2014/main" id="{69AC14E2-72EB-4870-AABB-9B3F70A168E5}"/>
               </a:ext>
             </a:extLst>
           </p:cNvPr>
@@ -1958,7 +1965,7 @@
           <p:cNvPr id="2" name="제목 1">
             <a:extLst>
               <a:ext uri="{FF2B5EF4-FFF2-40B4-BE49-F238E27FC236}">
-                <a16:creationId xmlns:a16="http://schemas.microsoft.com/office/drawing/2014/main" xmlns="" id="{8C8D0349-9D7D-4DF7-B036-1B98A93B4A9B}"/>
+                <a16:creationId xmlns:a16="http://schemas.microsoft.com/office/drawing/2014/main" id="{8C8D0349-9D7D-4DF7-B036-1B98A93B4A9B}"/>
               </a:ext>
             </a:extLst>
           </p:cNvPr>
@@ -1991,7 +1998,7 @@
           <p:cNvPr id="3" name="텍스트 개체 틀 2">
             <a:extLst>
               <a:ext uri="{FF2B5EF4-FFF2-40B4-BE49-F238E27FC236}">
-                <a16:creationId xmlns:a16="http://schemas.microsoft.com/office/drawing/2014/main" xmlns="" id="{3129F4F2-70BC-46AF-996C-FEE6BC33F237}"/>
+                <a16:creationId xmlns:a16="http://schemas.microsoft.com/office/drawing/2014/main" id="{3129F4F2-70BC-46AF-996C-FEE6BC33F237}"/>
               </a:ext>
             </a:extLst>
           </p:cNvPr>
@@ -2062,7 +2069,7 @@
           <p:cNvPr id="4" name="내용 개체 틀 3">
             <a:extLst>
               <a:ext uri="{FF2B5EF4-FFF2-40B4-BE49-F238E27FC236}">
-                <a16:creationId xmlns:a16="http://schemas.microsoft.com/office/drawing/2014/main" xmlns="" id="{B7B6010A-78D3-4F2C-9FCF-B7E87B7E40F2}"/>
+                <a16:creationId xmlns:a16="http://schemas.microsoft.com/office/drawing/2014/main" id="{B7B6010A-78D3-4F2C-9FCF-B7E87B7E40F2}"/>
               </a:ext>
             </a:extLst>
           </p:cNvPr>
@@ -2124,7 +2131,7 @@
           <p:cNvPr id="5" name="텍스트 개체 틀 4">
             <a:extLst>
               <a:ext uri="{FF2B5EF4-FFF2-40B4-BE49-F238E27FC236}">
-                <a16:creationId xmlns:a16="http://schemas.microsoft.com/office/drawing/2014/main" xmlns="" id="{90919EF7-AA18-4AF8-BD98-7BA1DE21C55E}"/>
+                <a16:creationId xmlns:a16="http://schemas.microsoft.com/office/drawing/2014/main" id="{90919EF7-AA18-4AF8-BD98-7BA1DE21C55E}"/>
               </a:ext>
             </a:extLst>
           </p:cNvPr>
@@ -2195,7 +2202,7 @@
           <p:cNvPr id="6" name="내용 개체 틀 5">
             <a:extLst>
               <a:ext uri="{FF2B5EF4-FFF2-40B4-BE49-F238E27FC236}">
-                <a16:creationId xmlns:a16="http://schemas.microsoft.com/office/drawing/2014/main" xmlns="" id="{BFC5A640-6286-43BE-9082-7B160DB8FEEE}"/>
+                <a16:creationId xmlns:a16="http://schemas.microsoft.com/office/drawing/2014/main" id="{BFC5A640-6286-43BE-9082-7B160DB8FEEE}"/>
               </a:ext>
             </a:extLst>
           </p:cNvPr>
@@ -2257,7 +2264,7 @@
           <p:cNvPr id="7" name="날짜 개체 틀 6">
             <a:extLst>
               <a:ext uri="{FF2B5EF4-FFF2-40B4-BE49-F238E27FC236}">
-                <a16:creationId xmlns:a16="http://schemas.microsoft.com/office/drawing/2014/main" xmlns="" id="{C3C03442-BCDF-43F0-AC47-9BB43DFDF623}"/>
+                <a16:creationId xmlns:a16="http://schemas.microsoft.com/office/drawing/2014/main" id="{C3C03442-BCDF-43F0-AC47-9BB43DFDF623}"/>
               </a:ext>
             </a:extLst>
           </p:cNvPr>
@@ -2275,7 +2282,7 @@
           <a:p>
             <a:fld id="{9AEE0FAB-3E72-4B5E-A35E-47F707BCA1CB}" type="datetimeFigureOut">
               <a:rPr lang="ko-KR" altLang="en-US" smtClean="0"/>
-              <a:t>2020-03-19</a:t>
+              <a:t>2020-04-16</a:t>
             </a:fld>
             <a:endParaRPr lang="ko-KR" altLang="en-US"/>
           </a:p>
@@ -2286,7 +2293,7 @@
           <p:cNvPr id="8" name="바닥글 개체 틀 7">
             <a:extLst>
               <a:ext uri="{FF2B5EF4-FFF2-40B4-BE49-F238E27FC236}">
-                <a16:creationId xmlns:a16="http://schemas.microsoft.com/office/drawing/2014/main" xmlns="" id="{BB7342B9-5CF8-4226-AD08-5B885995C68C}"/>
+                <a16:creationId xmlns:a16="http://schemas.microsoft.com/office/drawing/2014/main" id="{BB7342B9-5CF8-4226-AD08-5B885995C68C}"/>
               </a:ext>
             </a:extLst>
           </p:cNvPr>
@@ -2311,7 +2318,7 @@
           <p:cNvPr id="9" name="슬라이드 번호 개체 틀 8">
             <a:extLst>
               <a:ext uri="{FF2B5EF4-FFF2-40B4-BE49-F238E27FC236}">
-                <a16:creationId xmlns:a16="http://schemas.microsoft.com/office/drawing/2014/main" xmlns="" id="{8CFD5C82-EC13-4763-9C2F-0FFAEC26AC24}"/>
+                <a16:creationId xmlns:a16="http://schemas.microsoft.com/office/drawing/2014/main" id="{8CFD5C82-EC13-4763-9C2F-0FFAEC26AC24}"/>
               </a:ext>
             </a:extLst>
           </p:cNvPr>
@@ -2370,7 +2377,7 @@
           <p:cNvPr id="2" name="제목 1">
             <a:extLst>
               <a:ext uri="{FF2B5EF4-FFF2-40B4-BE49-F238E27FC236}">
-                <a16:creationId xmlns:a16="http://schemas.microsoft.com/office/drawing/2014/main" xmlns="" id="{BE15CAB4-0BDD-4378-A777-CD441D299839}"/>
+                <a16:creationId xmlns:a16="http://schemas.microsoft.com/office/drawing/2014/main" id="{BE15CAB4-0BDD-4378-A777-CD441D299839}"/>
               </a:ext>
             </a:extLst>
           </p:cNvPr>
@@ -2398,7 +2405,7 @@
           <p:cNvPr id="3" name="날짜 개체 틀 2">
             <a:extLst>
               <a:ext uri="{FF2B5EF4-FFF2-40B4-BE49-F238E27FC236}">
-                <a16:creationId xmlns:a16="http://schemas.microsoft.com/office/drawing/2014/main" xmlns="" id="{8BE4ACEC-7A58-459E-B6AE-FF20724BDFA0}"/>
+                <a16:creationId xmlns:a16="http://schemas.microsoft.com/office/drawing/2014/main" id="{8BE4ACEC-7A58-459E-B6AE-FF20724BDFA0}"/>
               </a:ext>
             </a:extLst>
           </p:cNvPr>
@@ -2416,7 +2423,7 @@
           <a:p>
             <a:fld id="{9AEE0FAB-3E72-4B5E-A35E-47F707BCA1CB}" type="datetimeFigureOut">
               <a:rPr lang="ko-KR" altLang="en-US" smtClean="0"/>
-              <a:t>2020-03-19</a:t>
+              <a:t>2020-04-16</a:t>
             </a:fld>
             <a:endParaRPr lang="ko-KR" altLang="en-US"/>
           </a:p>
@@ -2427,7 +2434,7 @@
           <p:cNvPr id="4" name="바닥글 개체 틀 3">
             <a:extLst>
               <a:ext uri="{FF2B5EF4-FFF2-40B4-BE49-F238E27FC236}">
-                <a16:creationId xmlns:a16="http://schemas.microsoft.com/office/drawing/2014/main" xmlns="" id="{52509078-1BB8-4ADD-B315-3AC7AC2AC643}"/>
+                <a16:creationId xmlns:a16="http://schemas.microsoft.com/office/drawing/2014/main" id="{52509078-1BB8-4ADD-B315-3AC7AC2AC643}"/>
               </a:ext>
             </a:extLst>
           </p:cNvPr>
@@ -2452,7 +2459,7 @@
           <p:cNvPr id="5" name="슬라이드 번호 개체 틀 4">
             <a:extLst>
               <a:ext uri="{FF2B5EF4-FFF2-40B4-BE49-F238E27FC236}">
-                <a16:creationId xmlns:a16="http://schemas.microsoft.com/office/drawing/2014/main" xmlns="" id="{768FF33A-FA7C-4A32-AA6F-CB64640CA76D}"/>
+                <a16:creationId xmlns:a16="http://schemas.microsoft.com/office/drawing/2014/main" id="{768FF33A-FA7C-4A32-AA6F-CB64640CA76D}"/>
               </a:ext>
             </a:extLst>
           </p:cNvPr>
@@ -2511,7 +2518,7 @@
           <p:cNvPr id="2" name="날짜 개체 틀 1">
             <a:extLst>
               <a:ext uri="{FF2B5EF4-FFF2-40B4-BE49-F238E27FC236}">
-                <a16:creationId xmlns:a16="http://schemas.microsoft.com/office/drawing/2014/main" xmlns="" id="{AD31F30F-AC59-4D52-9766-FF6C561FE0C5}"/>
+                <a16:creationId xmlns:a16="http://schemas.microsoft.com/office/drawing/2014/main" id="{AD31F30F-AC59-4D52-9766-FF6C561FE0C5}"/>
               </a:ext>
             </a:extLst>
           </p:cNvPr>
@@ -2529,7 +2536,7 @@
           <a:p>
             <a:fld id="{9AEE0FAB-3E72-4B5E-A35E-47F707BCA1CB}" type="datetimeFigureOut">
               <a:rPr lang="ko-KR" altLang="en-US" smtClean="0"/>
-              <a:t>2020-03-19</a:t>
+              <a:t>2020-04-16</a:t>
             </a:fld>
             <a:endParaRPr lang="ko-KR" altLang="en-US"/>
           </a:p>
@@ -2540,7 +2547,7 @@
           <p:cNvPr id="3" name="바닥글 개체 틀 2">
             <a:extLst>
               <a:ext uri="{FF2B5EF4-FFF2-40B4-BE49-F238E27FC236}">
-                <a16:creationId xmlns:a16="http://schemas.microsoft.com/office/drawing/2014/main" xmlns="" id="{84FDFDAC-7DE1-4CA5-B48B-26C2EE52439B}"/>
+                <a16:creationId xmlns:a16="http://schemas.microsoft.com/office/drawing/2014/main" id="{84FDFDAC-7DE1-4CA5-B48B-26C2EE52439B}"/>
               </a:ext>
             </a:extLst>
           </p:cNvPr>
@@ -2565,7 +2572,7 @@
           <p:cNvPr id="4" name="슬라이드 번호 개체 틀 3">
             <a:extLst>
               <a:ext uri="{FF2B5EF4-FFF2-40B4-BE49-F238E27FC236}">
-                <a16:creationId xmlns:a16="http://schemas.microsoft.com/office/drawing/2014/main" xmlns="" id="{03CEF44E-7197-46C2-9D3A-04ADEC9FD057}"/>
+                <a16:creationId xmlns:a16="http://schemas.microsoft.com/office/drawing/2014/main" id="{03CEF44E-7197-46C2-9D3A-04ADEC9FD057}"/>
               </a:ext>
             </a:extLst>
           </p:cNvPr>
@@ -2624,7 +2631,7 @@
           <p:cNvPr id="2" name="제목 1">
             <a:extLst>
               <a:ext uri="{FF2B5EF4-FFF2-40B4-BE49-F238E27FC236}">
-                <a16:creationId xmlns:a16="http://schemas.microsoft.com/office/drawing/2014/main" xmlns="" id="{434E247E-3005-4EC1-85F1-E824F0224140}"/>
+                <a16:creationId xmlns:a16="http://schemas.microsoft.com/office/drawing/2014/main" id="{434E247E-3005-4EC1-85F1-E824F0224140}"/>
               </a:ext>
             </a:extLst>
           </p:cNvPr>
@@ -2661,7 +2668,7 @@
           <p:cNvPr id="3" name="내용 개체 틀 2">
             <a:extLst>
               <a:ext uri="{FF2B5EF4-FFF2-40B4-BE49-F238E27FC236}">
-                <a16:creationId xmlns:a16="http://schemas.microsoft.com/office/drawing/2014/main" xmlns="" id="{973693EE-9A06-4817-9A4A-2049F05ED3FD}"/>
+                <a16:creationId xmlns:a16="http://schemas.microsoft.com/office/drawing/2014/main" id="{973693EE-9A06-4817-9A4A-2049F05ED3FD}"/>
               </a:ext>
             </a:extLst>
           </p:cNvPr>
@@ -2751,7 +2758,7 @@
           <p:cNvPr id="4" name="텍스트 개체 틀 3">
             <a:extLst>
               <a:ext uri="{FF2B5EF4-FFF2-40B4-BE49-F238E27FC236}">
-                <a16:creationId xmlns:a16="http://schemas.microsoft.com/office/drawing/2014/main" xmlns="" id="{F65AD8C7-4DD6-4DA4-B25A-ECB2F74BD01B}"/>
+                <a16:creationId xmlns:a16="http://schemas.microsoft.com/office/drawing/2014/main" id="{F65AD8C7-4DD6-4DA4-B25A-ECB2F74BD01B}"/>
               </a:ext>
             </a:extLst>
           </p:cNvPr>
@@ -2822,7 +2829,7 @@
           <p:cNvPr id="5" name="날짜 개체 틀 4">
             <a:extLst>
               <a:ext uri="{FF2B5EF4-FFF2-40B4-BE49-F238E27FC236}">
-                <a16:creationId xmlns:a16="http://schemas.microsoft.com/office/drawing/2014/main" xmlns="" id="{F756469F-69C5-417D-9D31-56EB6971CC40}"/>
+                <a16:creationId xmlns:a16="http://schemas.microsoft.com/office/drawing/2014/main" id="{F756469F-69C5-417D-9D31-56EB6971CC40}"/>
               </a:ext>
             </a:extLst>
           </p:cNvPr>
@@ -2840,7 +2847,7 @@
           <a:p>
             <a:fld id="{9AEE0FAB-3E72-4B5E-A35E-47F707BCA1CB}" type="datetimeFigureOut">
               <a:rPr lang="ko-KR" altLang="en-US" smtClean="0"/>
-              <a:t>2020-03-19</a:t>
+              <a:t>2020-04-16</a:t>
             </a:fld>
             <a:endParaRPr lang="ko-KR" altLang="en-US"/>
           </a:p>
@@ -2851,7 +2858,7 @@
           <p:cNvPr id="6" name="바닥글 개체 틀 5">
             <a:extLst>
               <a:ext uri="{FF2B5EF4-FFF2-40B4-BE49-F238E27FC236}">
-                <a16:creationId xmlns:a16="http://schemas.microsoft.com/office/drawing/2014/main" xmlns="" id="{DA4E93FF-0FE0-4AAA-B41B-908D5024011C}"/>
+                <a16:creationId xmlns:a16="http://schemas.microsoft.com/office/drawing/2014/main" id="{DA4E93FF-0FE0-4AAA-B41B-908D5024011C}"/>
               </a:ext>
             </a:extLst>
           </p:cNvPr>
@@ -2876,7 +2883,7 @@
           <p:cNvPr id="7" name="슬라이드 번호 개체 틀 6">
             <a:extLst>
               <a:ext uri="{FF2B5EF4-FFF2-40B4-BE49-F238E27FC236}">
-                <a16:creationId xmlns:a16="http://schemas.microsoft.com/office/drawing/2014/main" xmlns="" id="{4EFDA485-7D5B-46BA-8E16-787FCA38DE6A}"/>
+                <a16:creationId xmlns:a16="http://schemas.microsoft.com/office/drawing/2014/main" id="{4EFDA485-7D5B-46BA-8E16-787FCA38DE6A}"/>
               </a:ext>
             </a:extLst>
           </p:cNvPr>
@@ -2935,7 +2942,7 @@
           <p:cNvPr id="2" name="제목 1">
             <a:extLst>
               <a:ext uri="{FF2B5EF4-FFF2-40B4-BE49-F238E27FC236}">
-                <a16:creationId xmlns:a16="http://schemas.microsoft.com/office/drawing/2014/main" xmlns="" id="{E7E04EC4-3205-4A7D-8B07-D8A07F4684A0}"/>
+                <a16:creationId xmlns:a16="http://schemas.microsoft.com/office/drawing/2014/main" id="{E7E04EC4-3205-4A7D-8B07-D8A07F4684A0}"/>
               </a:ext>
             </a:extLst>
           </p:cNvPr>
@@ -2972,7 +2979,7 @@
           <p:cNvPr id="3" name="그림 개체 틀 2">
             <a:extLst>
               <a:ext uri="{FF2B5EF4-FFF2-40B4-BE49-F238E27FC236}">
-                <a16:creationId xmlns:a16="http://schemas.microsoft.com/office/drawing/2014/main" xmlns="" id="{DC86F9CD-BDAD-4F3F-A197-0A4AC09EA5EA}"/>
+                <a16:creationId xmlns:a16="http://schemas.microsoft.com/office/drawing/2014/main" id="{DC86F9CD-BDAD-4F3F-A197-0A4AC09EA5EA}"/>
               </a:ext>
             </a:extLst>
           </p:cNvPr>
@@ -3039,7 +3046,7 @@
           <p:cNvPr id="4" name="텍스트 개체 틀 3">
             <a:extLst>
               <a:ext uri="{FF2B5EF4-FFF2-40B4-BE49-F238E27FC236}">
-                <a16:creationId xmlns:a16="http://schemas.microsoft.com/office/drawing/2014/main" xmlns="" id="{887824EB-08B1-45D1-A8D3-14BF437A8325}"/>
+                <a16:creationId xmlns:a16="http://schemas.microsoft.com/office/drawing/2014/main" id="{887824EB-08B1-45D1-A8D3-14BF437A8325}"/>
               </a:ext>
             </a:extLst>
           </p:cNvPr>
@@ -3110,7 +3117,7 @@
           <p:cNvPr id="5" name="날짜 개체 틀 4">
             <a:extLst>
               <a:ext uri="{FF2B5EF4-FFF2-40B4-BE49-F238E27FC236}">
-                <a16:creationId xmlns:a16="http://schemas.microsoft.com/office/drawing/2014/main" xmlns="" id="{AC647F10-E255-4D3C-816B-877E704C9D77}"/>
+                <a16:creationId xmlns:a16="http://schemas.microsoft.com/office/drawing/2014/main" id="{AC647F10-E255-4D3C-816B-877E704C9D77}"/>
               </a:ext>
             </a:extLst>
           </p:cNvPr>
@@ -3128,7 +3135,7 @@
           <a:p>
             <a:fld id="{9AEE0FAB-3E72-4B5E-A35E-47F707BCA1CB}" type="datetimeFigureOut">
               <a:rPr lang="ko-KR" altLang="en-US" smtClean="0"/>
-              <a:t>2020-03-19</a:t>
+              <a:t>2020-04-16</a:t>
             </a:fld>
             <a:endParaRPr lang="ko-KR" altLang="en-US"/>
           </a:p>
@@ -3139,7 +3146,7 @@
           <p:cNvPr id="6" name="바닥글 개체 틀 5">
             <a:extLst>
               <a:ext uri="{FF2B5EF4-FFF2-40B4-BE49-F238E27FC236}">
-                <a16:creationId xmlns:a16="http://schemas.microsoft.com/office/drawing/2014/main" xmlns="" id="{C2EFD350-BE71-4DC9-8D31-1AEEEA6BC80B}"/>
+                <a16:creationId xmlns:a16="http://schemas.microsoft.com/office/drawing/2014/main" id="{C2EFD350-BE71-4DC9-8D31-1AEEEA6BC80B}"/>
               </a:ext>
             </a:extLst>
           </p:cNvPr>
@@ -3164,7 +3171,7 @@
           <p:cNvPr id="7" name="슬라이드 번호 개체 틀 6">
             <a:extLst>
               <a:ext uri="{FF2B5EF4-FFF2-40B4-BE49-F238E27FC236}">
-                <a16:creationId xmlns:a16="http://schemas.microsoft.com/office/drawing/2014/main" xmlns="" id="{66CFDDEA-CF95-4554-823F-A74F9274EDDC}"/>
+                <a16:creationId xmlns:a16="http://schemas.microsoft.com/office/drawing/2014/main" id="{66CFDDEA-CF95-4554-823F-A74F9274EDDC}"/>
               </a:ext>
             </a:extLst>
           </p:cNvPr>
@@ -3228,7 +3235,7 @@
           <p:cNvPr id="2" name="제목 개체 틀 1">
             <a:extLst>
               <a:ext uri="{FF2B5EF4-FFF2-40B4-BE49-F238E27FC236}">
-                <a16:creationId xmlns:a16="http://schemas.microsoft.com/office/drawing/2014/main" xmlns="" id="{34E2AD7F-B5F8-4700-AF05-C0B681C888B1}"/>
+                <a16:creationId xmlns:a16="http://schemas.microsoft.com/office/drawing/2014/main" id="{34E2AD7F-B5F8-4700-AF05-C0B681C888B1}"/>
               </a:ext>
             </a:extLst>
           </p:cNvPr>
@@ -3266,7 +3273,7 @@
           <p:cNvPr id="3" name="텍스트 개체 틀 2">
             <a:extLst>
               <a:ext uri="{FF2B5EF4-FFF2-40B4-BE49-F238E27FC236}">
-                <a16:creationId xmlns:a16="http://schemas.microsoft.com/office/drawing/2014/main" xmlns="" id="{FEC1AC79-3BB5-4F59-8BF7-22FC1CF2C7A6}"/>
+                <a16:creationId xmlns:a16="http://schemas.microsoft.com/office/drawing/2014/main" id="{FEC1AC79-3BB5-4F59-8BF7-22FC1CF2C7A6}"/>
               </a:ext>
             </a:extLst>
           </p:cNvPr>
@@ -3333,7 +3340,7 @@
           <p:cNvPr id="4" name="날짜 개체 틀 3">
             <a:extLst>
               <a:ext uri="{FF2B5EF4-FFF2-40B4-BE49-F238E27FC236}">
-                <a16:creationId xmlns:a16="http://schemas.microsoft.com/office/drawing/2014/main" xmlns="" id="{671F1A76-D725-4A51-B66D-67420C9C7BF3}"/>
+                <a16:creationId xmlns:a16="http://schemas.microsoft.com/office/drawing/2014/main" id="{671F1A76-D725-4A51-B66D-67420C9C7BF3}"/>
               </a:ext>
             </a:extLst>
           </p:cNvPr>
@@ -3369,7 +3376,7 @@
           <a:p>
             <a:fld id="{9AEE0FAB-3E72-4B5E-A35E-47F707BCA1CB}" type="datetimeFigureOut">
               <a:rPr lang="ko-KR" altLang="en-US" smtClean="0"/>
-              <a:t>2020-03-19</a:t>
+              <a:t>2020-04-16</a:t>
             </a:fld>
             <a:endParaRPr lang="ko-KR" altLang="en-US"/>
           </a:p>
@@ -3380,7 +3387,7 @@
           <p:cNvPr id="5" name="바닥글 개체 틀 4">
             <a:extLst>
               <a:ext uri="{FF2B5EF4-FFF2-40B4-BE49-F238E27FC236}">
-                <a16:creationId xmlns:a16="http://schemas.microsoft.com/office/drawing/2014/main" xmlns="" id="{41F2776F-9719-42B0-946C-D2FAB3AEFAA6}"/>
+                <a16:creationId xmlns:a16="http://schemas.microsoft.com/office/drawing/2014/main" id="{41F2776F-9719-42B0-946C-D2FAB3AEFAA6}"/>
               </a:ext>
             </a:extLst>
           </p:cNvPr>
@@ -3423,7 +3430,7 @@
           <p:cNvPr id="6" name="슬라이드 번호 개체 틀 5">
             <a:extLst>
               <a:ext uri="{FF2B5EF4-FFF2-40B4-BE49-F238E27FC236}">
-                <a16:creationId xmlns:a16="http://schemas.microsoft.com/office/drawing/2014/main" xmlns="" id="{6E92DDA6-5AF1-48EC-AA79-ADCBB9A501E1}"/>
+                <a16:creationId xmlns:a16="http://schemas.microsoft.com/office/drawing/2014/main" id="{6E92DDA6-5AF1-48EC-AA79-ADCBB9A501E1}"/>
               </a:ext>
             </a:extLst>
           </p:cNvPr>
@@ -3470,7 +3477,7 @@
           <p:cNvPr id="7" name="직사각형 6">
             <a:extLst>
               <a:ext uri="{FF2B5EF4-FFF2-40B4-BE49-F238E27FC236}">
-                <a16:creationId xmlns:a16="http://schemas.microsoft.com/office/drawing/2014/main" xmlns="" id="{DB13365B-8CA5-40E2-8AC6-63EA39A391C8}"/>
+                <a16:creationId xmlns:a16="http://schemas.microsoft.com/office/drawing/2014/main" id="{DB13365B-8CA5-40E2-8AC6-63EA39A391C8}"/>
               </a:ext>
             </a:extLst>
           </p:cNvPr>
@@ -3851,7 +3858,7 @@
           <p:cNvPr id="9" name="사각형: 잘린 대각선 방향 모서리 8">
             <a:extLst>
               <a:ext uri="{FF2B5EF4-FFF2-40B4-BE49-F238E27FC236}">
-                <a16:creationId xmlns:a16="http://schemas.microsoft.com/office/drawing/2014/main" xmlns="" id="{9F92810E-9397-4419-B99D-CE0A359776FE}"/>
+                <a16:creationId xmlns:a16="http://schemas.microsoft.com/office/drawing/2014/main" id="{9F92810E-9397-4419-B99D-CE0A359776FE}"/>
               </a:ext>
             </a:extLst>
           </p:cNvPr>
@@ -3907,7 +3914,7 @@
           <p:cNvPr id="8" name="평행 사변형 7">
             <a:extLst>
               <a:ext uri="{FF2B5EF4-FFF2-40B4-BE49-F238E27FC236}">
-                <a16:creationId xmlns:a16="http://schemas.microsoft.com/office/drawing/2014/main" xmlns="" id="{9BDDA529-4AF7-46FE-BC66-939528B1A2E6}"/>
+                <a16:creationId xmlns:a16="http://schemas.microsoft.com/office/drawing/2014/main" id="{9BDDA529-4AF7-46FE-BC66-939528B1A2E6}"/>
               </a:ext>
             </a:extLst>
           </p:cNvPr>
@@ -3963,7 +3970,7 @@
           <p:cNvPr id="2" name="TextBox 1">
             <a:extLst>
               <a:ext uri="{FF2B5EF4-FFF2-40B4-BE49-F238E27FC236}">
-                <a16:creationId xmlns:a16="http://schemas.microsoft.com/office/drawing/2014/main" xmlns="" id="{1907CF91-6766-49C9-A959-21311A213AC6}"/>
+                <a16:creationId xmlns:a16="http://schemas.microsoft.com/office/drawing/2014/main" id="{1907CF91-6766-49C9-A959-21311A213AC6}"/>
               </a:ext>
             </a:extLst>
           </p:cNvPr>
@@ -3973,7 +3980,7 @@
         <p:spPr>
           <a:xfrm>
             <a:off x="343362" y="322260"/>
-            <a:ext cx="734811" cy="338554"/>
+            <a:ext cx="917267" cy="338554"/>
           </a:xfrm>
           <a:prstGeom prst="rect">
             <a:avLst/>
@@ -3986,25 +3993,6 @@
           </a:bodyPr>
           <a:lstStyle/>
           <a:p>
-            <a:r>
-              <a:rPr lang="ko-KR" altLang="en-US" sz="1600" spc="-150" dirty="0" smtClean="0">
-                <a:ln>
-                  <a:solidFill>
-                    <a:schemeClr val="tx1">
-                      <a:alpha val="1000"/>
-                    </a:schemeClr>
-                  </a:solidFill>
-                </a:ln>
-                <a:solidFill>
-                  <a:schemeClr val="bg2">
-                    <a:lumMod val="25000"/>
-                  </a:schemeClr>
-                </a:solidFill>
-                <a:latin typeface="아리따-돋움(TTF)-Bold" panose="02020603020101020101" pitchFamily="18" charset="-127"/>
-                <a:ea typeface="아리따-돋움(TTF)-Bold" panose="02020603020101020101" pitchFamily="18" charset="-127"/>
-              </a:rPr>
-              <a:t>김수</a:t>
-            </a:r>
             <a:r>
               <a:rPr lang="ko-KR" altLang="en-US" sz="1600" spc="-150" dirty="0">
                 <a:ln>
@@ -4019,27 +4007,10 @@
                     <a:lumMod val="25000"/>
                   </a:schemeClr>
                 </a:solidFill>
-                <a:latin typeface="아리따-돋움(TTF)-Bold" panose="02020603020101020101" pitchFamily="18" charset="-127"/>
-                <a:ea typeface="아리따-돋움(TTF)-Bold" panose="02020603020101020101" pitchFamily="18" charset="-127"/>
+                <a:latin typeface="+mn-ea"/>
               </a:rPr>
-              <a:t>희</a:t>
+              <a:t>김수희</a:t>
             </a:r>
-            <a:endParaRPr lang="ko-KR" altLang="en-US" sz="1600" spc="-150" dirty="0">
-              <a:ln>
-                <a:solidFill>
-                  <a:schemeClr val="tx1">
-                    <a:alpha val="1000"/>
-                  </a:schemeClr>
-                </a:solidFill>
-              </a:ln>
-              <a:solidFill>
-                <a:schemeClr val="bg2">
-                  <a:lumMod val="25000"/>
-                </a:schemeClr>
-              </a:solidFill>
-              <a:latin typeface="아리따-돋움(TTF)-Bold" panose="02020603020101020101" pitchFamily="18" charset="-127"/>
-              <a:ea typeface="아리따-돋움(TTF)-Bold" panose="02020603020101020101" pitchFamily="18" charset="-127"/>
-            </a:endParaRPr>
           </a:p>
         </p:txBody>
       </p:sp>
@@ -4048,7 +4019,7 @@
           <p:cNvPr id="4" name="TextBox 3">
             <a:extLst>
               <a:ext uri="{FF2B5EF4-FFF2-40B4-BE49-F238E27FC236}">
-                <a16:creationId xmlns:a16="http://schemas.microsoft.com/office/drawing/2014/main" xmlns="" id="{B395C19B-9F7C-49EC-BAA2-65B24FE40441}"/>
+                <a16:creationId xmlns:a16="http://schemas.microsoft.com/office/drawing/2014/main" id="{B395C19B-9F7C-49EC-BAA2-65B24FE40441}"/>
               </a:ext>
             </a:extLst>
           </p:cNvPr>
@@ -4073,7 +4044,7 @@
           <a:p>
             <a:pPr algn="ctr"/>
             <a:r>
-              <a:rPr lang="ko-KR" altLang="en-US" sz="7200" spc="-1000" dirty="0" smtClean="0">
+              <a:rPr lang="ko-KR" altLang="en-US" sz="7200" spc="-1000" dirty="0">
                 <a:ln>
                   <a:solidFill>
                     <a:schemeClr val="tx1">
@@ -4115,7 +4086,7 @@
           <p:cNvPr id="6" name="TextBox 5">
             <a:extLst>
               <a:ext uri="{FF2B5EF4-FFF2-40B4-BE49-F238E27FC236}">
-                <a16:creationId xmlns:a16="http://schemas.microsoft.com/office/drawing/2014/main" xmlns="" id="{949B95DE-5DB4-4703-8D43-A00A1620034B}"/>
+                <a16:creationId xmlns:a16="http://schemas.microsoft.com/office/drawing/2014/main" id="{949B95DE-5DB4-4703-8D43-A00A1620034B}"/>
               </a:ext>
             </a:extLst>
           </p:cNvPr>
@@ -4140,7 +4111,7 @@
           <a:p>
             <a:pPr algn="ctr"/>
             <a:r>
-              <a:rPr lang="ko-KR" altLang="en-US" sz="6000" spc="-150" dirty="0" smtClean="0">
+              <a:rPr lang="ko-KR" altLang="en-US" sz="6000" spc="-150" dirty="0">
                 <a:ln>
                   <a:solidFill>
                     <a:schemeClr val="tx1">
@@ -4159,7 +4130,7 @@
               <a:t>식품</a:t>
             </a:r>
             <a:r>
-              <a:rPr lang="en-US" altLang="ko-KR" sz="6000" spc="-150" dirty="0" smtClean="0">
+              <a:rPr lang="en-US" altLang="ko-KR" sz="6000" spc="-150" dirty="0">
                 <a:ln>
                   <a:solidFill>
                     <a:schemeClr val="tx1">
@@ -4178,7 +4149,7 @@
               <a:t>/</a:t>
             </a:r>
             <a:r>
-              <a:rPr lang="ko-KR" altLang="en-US" sz="6000" spc="-150" dirty="0" smtClean="0">
+              <a:rPr lang="ko-KR" altLang="en-US" sz="6000" spc="-150" dirty="0">
                 <a:ln>
                   <a:solidFill>
                     <a:schemeClr val="tx1">
@@ -4196,22 +4167,6 @@
               </a:rPr>
               <a:t>제과 업체</a:t>
             </a:r>
-            <a:endParaRPr lang="ko-KR" altLang="en-US" sz="6000" spc="-150" dirty="0">
-              <a:ln>
-                <a:solidFill>
-                  <a:schemeClr val="tx1">
-                    <a:alpha val="1000"/>
-                  </a:schemeClr>
-                </a:solidFill>
-              </a:ln>
-              <a:solidFill>
-                <a:schemeClr val="bg2">
-                  <a:lumMod val="25000"/>
-                </a:schemeClr>
-              </a:solidFill>
-              <a:latin typeface="12롯데마트행복Light" panose="02020603020101020101" pitchFamily="18" charset="-127"/>
-              <a:ea typeface="12롯데마트행복Light" panose="02020603020101020101" pitchFamily="18" charset="-127"/>
-            </a:endParaRPr>
           </a:p>
         </p:txBody>
       </p:sp>
@@ -4225,13 +4180,6 @@
   <p:clrMapOvr>
     <a:masterClrMapping/>
   </p:clrMapOvr>
-  <p:timing>
-    <p:tnLst>
-      <p:par>
-        <p:cTn id="1" dur="indefinite" restart="never" nodeType="tmRoot"/>
-      </p:par>
-    </p:tnLst>
-  </p:timing>
 </p:sld>
 </file>
 
@@ -4257,7 +4205,7 @@
           <p:cNvPr id="11" name="사각형: 잘린 한쪽 모서리 10">
             <a:extLst>
               <a:ext uri="{FF2B5EF4-FFF2-40B4-BE49-F238E27FC236}">
-                <a16:creationId xmlns:a16="http://schemas.microsoft.com/office/drawing/2014/main" xmlns="" id="{9FF65406-D6D5-45A3-BBCC-EE736441D3B8}"/>
+                <a16:creationId xmlns:a16="http://schemas.microsoft.com/office/drawing/2014/main" id="{9FF65406-D6D5-45A3-BBCC-EE736441D3B8}"/>
               </a:ext>
             </a:extLst>
           </p:cNvPr>
@@ -4315,7 +4263,7 @@
           <p:cNvPr id="12" name="TextBox 11">
             <a:extLst>
               <a:ext uri="{FF2B5EF4-FFF2-40B4-BE49-F238E27FC236}">
-                <a16:creationId xmlns:a16="http://schemas.microsoft.com/office/drawing/2014/main" xmlns="" id="{EE3963EE-C57D-45EE-AEA6-C980ABEC9695}"/>
+                <a16:creationId xmlns:a16="http://schemas.microsoft.com/office/drawing/2014/main" id="{EE3963EE-C57D-45EE-AEA6-C980ABEC9695}"/>
               </a:ext>
             </a:extLst>
           </p:cNvPr>
@@ -4355,20 +4303,6 @@
               </a:rPr>
               <a:t>COLOR</a:t>
             </a:r>
-            <a:endParaRPr lang="en-US" altLang="ko-KR" sz="3200" spc="-150" dirty="0">
-              <a:ln>
-                <a:solidFill>
-                  <a:schemeClr val="tx1">
-                    <a:alpha val="1000"/>
-                  </a:schemeClr>
-                </a:solidFill>
-              </a:ln>
-              <a:solidFill>
-                <a:schemeClr val="bg1"/>
-              </a:solidFill>
-              <a:latin typeface="가나초콜릿" panose="020B0600000101010101" pitchFamily="50" charset="-127"/>
-              <a:ea typeface="가나초콜릿" panose="020B0600000101010101" pitchFamily="50" charset="-127"/>
-            </a:endParaRPr>
           </a:p>
         </p:txBody>
       </p:sp>
@@ -4377,7 +4311,7 @@
           <p:cNvPr id="13" name="직선 연결선 12">
             <a:extLst>
               <a:ext uri="{FF2B5EF4-FFF2-40B4-BE49-F238E27FC236}">
-                <a16:creationId xmlns:a16="http://schemas.microsoft.com/office/drawing/2014/main" xmlns="" id="{AB2FF6A1-E990-49C6-8ECB-65503268C179}"/>
+                <a16:creationId xmlns:a16="http://schemas.microsoft.com/office/drawing/2014/main" id="{AB2FF6A1-E990-49C6-8ECB-65503268C179}"/>
               </a:ext>
             </a:extLst>
           </p:cNvPr>
@@ -4420,7 +4354,7 @@
           <p:cNvPr id="14" name="TextBox 13">
             <a:extLst>
               <a:ext uri="{FF2B5EF4-FFF2-40B4-BE49-F238E27FC236}">
-                <a16:creationId xmlns:a16="http://schemas.microsoft.com/office/drawing/2014/main" xmlns="" id="{AB3B2B0C-C96B-43EC-97E1-FB24FAC6D323}"/>
+                <a16:creationId xmlns:a16="http://schemas.microsoft.com/office/drawing/2014/main" id="{AB3B2B0C-C96B-43EC-97E1-FB24FAC6D323}"/>
               </a:ext>
             </a:extLst>
           </p:cNvPr>
@@ -4445,7 +4379,7 @@
           <a:p>
             <a:pPr algn="r"/>
             <a:r>
-              <a:rPr lang="en-US" altLang="ko-KR" sz="3200" spc="-150" dirty="0" smtClean="0">
+              <a:rPr lang="en-US" altLang="ko-KR" sz="3200" spc="-150" dirty="0">
                 <a:ln>
                   <a:solidFill>
                     <a:schemeClr val="tx1">
@@ -4461,20 +4395,6 @@
               </a:rPr>
               <a:t>RED</a:t>
             </a:r>
-            <a:endParaRPr lang="en-US" altLang="ko-KR" sz="3200" spc="-150" dirty="0">
-              <a:ln>
-                <a:solidFill>
-                  <a:schemeClr val="tx1">
-                    <a:alpha val="1000"/>
-                  </a:schemeClr>
-                </a:solidFill>
-              </a:ln>
-              <a:solidFill>
-                <a:srgbClr val="C00000"/>
-              </a:solidFill>
-              <a:latin typeface="가나초콜릿" panose="020B0600000101010101" pitchFamily="50" charset="-127"/>
-              <a:ea typeface="가나초콜릿" panose="020B0600000101010101" pitchFamily="50" charset="-127"/>
-            </a:endParaRPr>
           </a:p>
         </p:txBody>
       </p:sp>
@@ -4483,7 +4403,7 @@
           <p:cNvPr id="3" name="타원 2">
             <a:extLst>
               <a:ext uri="{FF2B5EF4-FFF2-40B4-BE49-F238E27FC236}">
-                <a16:creationId xmlns:a16="http://schemas.microsoft.com/office/drawing/2014/main" xmlns="" id="{99BE385B-A61E-46F5-B04F-3D2DACAFD969}"/>
+                <a16:creationId xmlns:a16="http://schemas.microsoft.com/office/drawing/2014/main" id="{99BE385B-A61E-46F5-B04F-3D2DACAFD969}"/>
               </a:ext>
             </a:extLst>
           </p:cNvPr>
@@ -4529,23 +4449,12 @@
           <a:p>
             <a:pPr algn="ctr"/>
             <a:r>
-              <a:rPr lang="ko-KR" altLang="en-US" dirty="0" smtClean="0">
-                <a:latin typeface="12롯데마트행복Light" panose="02020603020101020101" pitchFamily="18" charset="-127"/>
-                <a:ea typeface="12롯데마트행복Light" panose="02020603020101020101" pitchFamily="18" charset="-127"/>
-              </a:rPr>
-              <a:t>열</a:t>
-            </a:r>
-            <a:r>
               <a:rPr lang="ko-KR" altLang="en-US" dirty="0">
                 <a:latin typeface="12롯데마트행복Light" panose="02020603020101020101" pitchFamily="18" charset="-127"/>
                 <a:ea typeface="12롯데마트행복Light" panose="02020603020101020101" pitchFamily="18" charset="-127"/>
               </a:rPr>
-              <a:t>정</a:t>
+              <a:t>열정</a:t>
             </a:r>
-            <a:endParaRPr lang="ko-KR" altLang="en-US" dirty="0">
-              <a:latin typeface="12롯데마트행복Light" panose="02020603020101020101" pitchFamily="18" charset="-127"/>
-              <a:ea typeface="12롯데마트행복Light" panose="02020603020101020101" pitchFamily="18" charset="-127"/>
-            </a:endParaRPr>
           </a:p>
         </p:txBody>
       </p:sp>
@@ -4554,7 +4463,7 @@
           <p:cNvPr id="28" name="타원 27">
             <a:extLst>
               <a:ext uri="{FF2B5EF4-FFF2-40B4-BE49-F238E27FC236}">
-                <a16:creationId xmlns:a16="http://schemas.microsoft.com/office/drawing/2014/main" xmlns="" id="{B8A2F1BB-B5F8-4363-ADF1-F1ECF7FEF6ED}"/>
+                <a16:creationId xmlns:a16="http://schemas.microsoft.com/office/drawing/2014/main" id="{B8A2F1BB-B5F8-4363-ADF1-F1ECF7FEF6ED}"/>
               </a:ext>
             </a:extLst>
           </p:cNvPr>
@@ -4600,16 +4509,12 @@
           <a:p>
             <a:pPr algn="ctr"/>
             <a:r>
-              <a:rPr lang="ko-KR" altLang="en-US" sz="1200" dirty="0" smtClean="0">
+              <a:rPr lang="ko-KR" altLang="en-US" sz="1200" dirty="0">
                 <a:latin typeface="12롯데마트행복Light" panose="02020603020101020101" pitchFamily="18" charset="-127"/>
                 <a:ea typeface="12롯데마트행복Light" panose="02020603020101020101" pitchFamily="18" charset="-127"/>
               </a:rPr>
               <a:t>에너지</a:t>
             </a:r>
-            <a:endParaRPr lang="ko-KR" altLang="en-US" sz="1200" dirty="0">
-              <a:latin typeface="12롯데마트행복Light" panose="02020603020101020101" pitchFamily="18" charset="-127"/>
-              <a:ea typeface="12롯데마트행복Light" panose="02020603020101020101" pitchFamily="18" charset="-127"/>
-            </a:endParaRPr>
           </a:p>
         </p:txBody>
       </p:sp>
@@ -4632,7 +4537,7 @@
             <p:cNvPr id="37" name="사각형: 잘린 한쪽 모서리 48">
               <a:extLst>
                 <a:ext uri="{FF2B5EF4-FFF2-40B4-BE49-F238E27FC236}">
-                  <a16:creationId xmlns:a16="http://schemas.microsoft.com/office/drawing/2014/main" xmlns="" id="{647DF2AC-72DC-4434-8F53-9247C46AEC99}"/>
+                  <a16:creationId xmlns:a16="http://schemas.microsoft.com/office/drawing/2014/main" id="{647DF2AC-72DC-4434-8F53-9247C46AEC99}"/>
                 </a:ext>
               </a:extLst>
             </p:cNvPr>
@@ -4691,7 +4596,7 @@
             <p:cNvPr id="38" name="TextBox 37">
               <a:extLst>
                 <a:ext uri="{FF2B5EF4-FFF2-40B4-BE49-F238E27FC236}">
-                  <a16:creationId xmlns:a16="http://schemas.microsoft.com/office/drawing/2014/main" xmlns="" id="{73FB9A95-9826-41F2-96B3-92FB2DC22705}"/>
+                  <a16:creationId xmlns:a16="http://schemas.microsoft.com/office/drawing/2014/main" id="{73FB9A95-9826-41F2-96B3-92FB2DC22705}"/>
                 </a:ext>
               </a:extLst>
             </p:cNvPr>
@@ -4716,7 +4621,7 @@
             <a:p>
               <a:pPr algn="ctr"/>
               <a:r>
-                <a:rPr lang="ko-KR" altLang="en-US" sz="1600" spc="-150" dirty="0" err="1" smtClean="0">
+                <a:rPr lang="ko-KR" altLang="en-US" sz="1600" spc="-150" dirty="0" err="1">
                   <a:ln>
                     <a:solidFill>
                       <a:schemeClr val="tx1">
@@ -4769,7 +4674,7 @@
             <p:cNvPr id="40" name="사각형: 잘린 한쪽 모서리 48">
               <a:extLst>
                 <a:ext uri="{FF2B5EF4-FFF2-40B4-BE49-F238E27FC236}">
-                  <a16:creationId xmlns:a16="http://schemas.microsoft.com/office/drawing/2014/main" xmlns="" id="{647DF2AC-72DC-4434-8F53-9247C46AEC99}"/>
+                  <a16:creationId xmlns:a16="http://schemas.microsoft.com/office/drawing/2014/main" id="{647DF2AC-72DC-4434-8F53-9247C46AEC99}"/>
                 </a:ext>
               </a:extLst>
             </p:cNvPr>
@@ -4830,7 +4735,7 @@
             <p:cNvPr id="41" name="TextBox 40">
               <a:extLst>
                 <a:ext uri="{FF2B5EF4-FFF2-40B4-BE49-F238E27FC236}">
-                  <a16:creationId xmlns:a16="http://schemas.microsoft.com/office/drawing/2014/main" xmlns="" id="{73FB9A95-9826-41F2-96B3-92FB2DC22705}"/>
+                  <a16:creationId xmlns:a16="http://schemas.microsoft.com/office/drawing/2014/main" id="{73FB9A95-9826-41F2-96B3-92FB2DC22705}"/>
                 </a:ext>
               </a:extLst>
             </p:cNvPr>
@@ -4855,7 +4760,7 @@
             <a:p>
               <a:pPr algn="ctr"/>
               <a:r>
-                <a:rPr lang="ko-KR" altLang="en-US" sz="1600" spc="-150" dirty="0" err="1" smtClean="0">
+                <a:rPr lang="ko-KR" altLang="en-US" sz="1600" spc="-150" dirty="0" err="1">
                   <a:ln>
                     <a:solidFill>
                       <a:schemeClr val="tx1">
@@ -4894,7 +4799,7 @@
           <p:cNvPr id="42" name="타원 41">
             <a:extLst>
               <a:ext uri="{FF2B5EF4-FFF2-40B4-BE49-F238E27FC236}">
-                <a16:creationId xmlns:a16="http://schemas.microsoft.com/office/drawing/2014/main" xmlns="" id="{B8A2F1BB-B5F8-4363-ADF1-F1ECF7FEF6ED}"/>
+                <a16:creationId xmlns:a16="http://schemas.microsoft.com/office/drawing/2014/main" id="{B8A2F1BB-B5F8-4363-ADF1-F1ECF7FEF6ED}"/>
               </a:ext>
             </a:extLst>
           </p:cNvPr>
@@ -4940,13 +4845,13 @@
           <a:p>
             <a:pPr algn="ctr"/>
             <a:r>
-              <a:rPr lang="ko-KR" altLang="en-US" sz="1200" dirty="0" smtClean="0">
+              <a:rPr lang="ko-KR" altLang="en-US" sz="1200" dirty="0">
                 <a:latin typeface="12롯데마트행복Light" panose="02020603020101020101" pitchFamily="18" charset="-127"/>
                 <a:ea typeface="12롯데마트행복Light" panose="02020603020101020101" pitchFamily="18" charset="-127"/>
               </a:rPr>
               <a:t>적극</a:t>
             </a:r>
-            <a:endParaRPr lang="en-US" altLang="ko-KR" sz="1200" dirty="0" smtClean="0">
+            <a:endParaRPr lang="en-US" altLang="ko-KR" sz="1200" dirty="0">
               <a:latin typeface="12롯데마트행복Light" panose="02020603020101020101" pitchFamily="18" charset="-127"/>
               <a:ea typeface="12롯데마트행복Light" panose="02020603020101020101" pitchFamily="18" charset="-127"/>
             </a:endParaRPr>
@@ -4954,16 +4859,12 @@
           <a:p>
             <a:pPr algn="ctr"/>
             <a:r>
-              <a:rPr lang="ko-KR" altLang="en-US" sz="1200" dirty="0" smtClean="0">
+              <a:rPr lang="ko-KR" altLang="en-US" sz="1200" dirty="0">
                 <a:latin typeface="12롯데마트행복Light" panose="02020603020101020101" pitchFamily="18" charset="-127"/>
                 <a:ea typeface="12롯데마트행복Light" panose="02020603020101020101" pitchFamily="18" charset="-127"/>
               </a:rPr>
               <a:t>적인</a:t>
             </a:r>
-            <a:endParaRPr lang="ko-KR" altLang="en-US" sz="1200" dirty="0">
-              <a:latin typeface="12롯데마트행복Light" panose="02020603020101020101" pitchFamily="18" charset="-127"/>
-              <a:ea typeface="12롯데마트행복Light" panose="02020603020101020101" pitchFamily="18" charset="-127"/>
-            </a:endParaRPr>
           </a:p>
         </p:txBody>
       </p:sp>
@@ -4972,7 +4873,7 @@
           <p:cNvPr id="43" name="타원 42">
             <a:extLst>
               <a:ext uri="{FF2B5EF4-FFF2-40B4-BE49-F238E27FC236}">
-                <a16:creationId xmlns:a16="http://schemas.microsoft.com/office/drawing/2014/main" xmlns="" id="{B8A2F1BB-B5F8-4363-ADF1-F1ECF7FEF6ED}"/>
+                <a16:creationId xmlns:a16="http://schemas.microsoft.com/office/drawing/2014/main" id="{B8A2F1BB-B5F8-4363-ADF1-F1ECF7FEF6ED}"/>
               </a:ext>
             </a:extLst>
           </p:cNvPr>
@@ -5018,16 +4919,12 @@
           <a:p>
             <a:pPr algn="ctr"/>
             <a:r>
-              <a:rPr lang="ko-KR" altLang="en-US" sz="1200" dirty="0" smtClean="0">
+              <a:rPr lang="ko-KR" altLang="en-US" sz="1200" dirty="0">
                 <a:latin typeface="12롯데마트행복Light" panose="02020603020101020101" pitchFamily="18" charset="-127"/>
                 <a:ea typeface="12롯데마트행복Light" panose="02020603020101020101" pitchFamily="18" charset="-127"/>
               </a:rPr>
               <a:t>스피드</a:t>
             </a:r>
-            <a:endParaRPr lang="ko-KR" altLang="en-US" sz="1200" dirty="0">
-              <a:latin typeface="12롯데마트행복Light" panose="02020603020101020101" pitchFamily="18" charset="-127"/>
-              <a:ea typeface="12롯데마트행복Light" panose="02020603020101020101" pitchFamily="18" charset="-127"/>
-            </a:endParaRPr>
           </a:p>
         </p:txBody>
       </p:sp>
@@ -5036,7 +4933,7 @@
           <p:cNvPr id="44" name="타원 43">
             <a:extLst>
               <a:ext uri="{FF2B5EF4-FFF2-40B4-BE49-F238E27FC236}">
-                <a16:creationId xmlns:a16="http://schemas.microsoft.com/office/drawing/2014/main" xmlns="" id="{B8A2F1BB-B5F8-4363-ADF1-F1ECF7FEF6ED}"/>
+                <a16:creationId xmlns:a16="http://schemas.microsoft.com/office/drawing/2014/main" id="{B8A2F1BB-B5F8-4363-ADF1-F1ECF7FEF6ED}"/>
               </a:ext>
             </a:extLst>
           </p:cNvPr>
@@ -5082,16 +4979,12 @@
           <a:p>
             <a:pPr algn="ctr"/>
             <a:r>
-              <a:rPr lang="ko-KR" altLang="en-US" sz="1200" dirty="0" smtClean="0">
+              <a:rPr lang="ko-KR" altLang="en-US" sz="1200" dirty="0">
                 <a:latin typeface="12롯데마트행복Light" panose="02020603020101020101" pitchFamily="18" charset="-127"/>
                 <a:ea typeface="12롯데마트행복Light" panose="02020603020101020101" pitchFamily="18" charset="-127"/>
               </a:rPr>
               <a:t>사랑</a:t>
             </a:r>
-            <a:endParaRPr lang="ko-KR" altLang="en-US" sz="1200" dirty="0">
-              <a:latin typeface="12롯데마트행복Light" panose="02020603020101020101" pitchFamily="18" charset="-127"/>
-              <a:ea typeface="12롯데마트행복Light" panose="02020603020101020101" pitchFamily="18" charset="-127"/>
-            </a:endParaRPr>
           </a:p>
         </p:txBody>
       </p:sp>
@@ -5100,7 +4993,7 @@
           <p:cNvPr id="45" name="타원 44">
             <a:extLst>
               <a:ext uri="{FF2B5EF4-FFF2-40B4-BE49-F238E27FC236}">
-                <a16:creationId xmlns:a16="http://schemas.microsoft.com/office/drawing/2014/main" xmlns="" id="{B8A2F1BB-B5F8-4363-ADF1-F1ECF7FEF6ED}"/>
+                <a16:creationId xmlns:a16="http://schemas.microsoft.com/office/drawing/2014/main" id="{B8A2F1BB-B5F8-4363-ADF1-F1ECF7FEF6ED}"/>
               </a:ext>
             </a:extLst>
           </p:cNvPr>
@@ -5146,16 +5039,12 @@
           <a:p>
             <a:pPr algn="ctr"/>
             <a:r>
-              <a:rPr lang="ko-KR" altLang="en-US" sz="1200" dirty="0" smtClean="0">
+              <a:rPr lang="ko-KR" altLang="en-US" sz="1200" dirty="0">
                 <a:latin typeface="12롯데마트행복Light" panose="02020603020101020101" pitchFamily="18" charset="-127"/>
                 <a:ea typeface="12롯데마트행복Light" panose="02020603020101020101" pitchFamily="18" charset="-127"/>
               </a:rPr>
               <a:t>힘</a:t>
             </a:r>
-            <a:endParaRPr lang="ko-KR" altLang="en-US" sz="1200" dirty="0">
-              <a:latin typeface="12롯데마트행복Light" panose="02020603020101020101" pitchFamily="18" charset="-127"/>
-              <a:ea typeface="12롯데마트행복Light" panose="02020603020101020101" pitchFamily="18" charset="-127"/>
-            </a:endParaRPr>
           </a:p>
         </p:txBody>
       </p:sp>
@@ -5164,7 +5053,7 @@
           <p:cNvPr id="46" name="타원 45">
             <a:extLst>
               <a:ext uri="{FF2B5EF4-FFF2-40B4-BE49-F238E27FC236}">
-                <a16:creationId xmlns:a16="http://schemas.microsoft.com/office/drawing/2014/main" xmlns="" id="{99BE385B-A61E-46F5-B04F-3D2DACAFD969}"/>
+                <a16:creationId xmlns:a16="http://schemas.microsoft.com/office/drawing/2014/main" id="{99BE385B-A61E-46F5-B04F-3D2DACAFD969}"/>
               </a:ext>
             </a:extLst>
           </p:cNvPr>
@@ -5211,16 +5100,12 @@
           <a:p>
             <a:pPr algn="ctr"/>
             <a:r>
-              <a:rPr lang="ko-KR" altLang="en-US" dirty="0" smtClean="0">
+              <a:rPr lang="ko-KR" altLang="en-US" dirty="0">
                 <a:latin typeface="12롯데마트행복Light" panose="02020603020101020101" pitchFamily="18" charset="-127"/>
                 <a:ea typeface="12롯데마트행복Light" panose="02020603020101020101" pitchFamily="18" charset="-127"/>
               </a:rPr>
               <a:t>공격적인</a:t>
             </a:r>
-            <a:endParaRPr lang="ko-KR" altLang="en-US" dirty="0">
-              <a:latin typeface="12롯데마트행복Light" panose="02020603020101020101" pitchFamily="18" charset="-127"/>
-              <a:ea typeface="12롯데마트행복Light" panose="02020603020101020101" pitchFamily="18" charset="-127"/>
-            </a:endParaRPr>
           </a:p>
         </p:txBody>
       </p:sp>
@@ -5229,7 +5114,7 @@
           <p:cNvPr id="47" name="타원 46">
             <a:extLst>
               <a:ext uri="{FF2B5EF4-FFF2-40B4-BE49-F238E27FC236}">
-                <a16:creationId xmlns:a16="http://schemas.microsoft.com/office/drawing/2014/main" xmlns="" id="{B8A2F1BB-B5F8-4363-ADF1-F1ECF7FEF6ED}"/>
+                <a16:creationId xmlns:a16="http://schemas.microsoft.com/office/drawing/2014/main" id="{B8A2F1BB-B5F8-4363-ADF1-F1ECF7FEF6ED}"/>
               </a:ext>
             </a:extLst>
           </p:cNvPr>
@@ -5276,16 +5161,12 @@
           <a:p>
             <a:pPr algn="ctr"/>
             <a:r>
-              <a:rPr lang="ko-KR" altLang="en-US" sz="1200" dirty="0" smtClean="0">
+              <a:rPr lang="ko-KR" altLang="en-US" sz="1200" dirty="0">
                 <a:latin typeface="12롯데마트행복Light" panose="02020603020101020101" pitchFamily="18" charset="-127"/>
                 <a:ea typeface="12롯데마트행복Light" panose="02020603020101020101" pitchFamily="18" charset="-127"/>
               </a:rPr>
               <a:t>잔인한</a:t>
             </a:r>
-            <a:endParaRPr lang="ko-KR" altLang="en-US" sz="1200" dirty="0">
-              <a:latin typeface="12롯데마트행복Light" panose="02020603020101020101" pitchFamily="18" charset="-127"/>
-              <a:ea typeface="12롯데마트행복Light" panose="02020603020101020101" pitchFamily="18" charset="-127"/>
-            </a:endParaRPr>
           </a:p>
         </p:txBody>
       </p:sp>
@@ -5294,7 +5175,7 @@
           <p:cNvPr id="48" name="타원 47">
             <a:extLst>
               <a:ext uri="{FF2B5EF4-FFF2-40B4-BE49-F238E27FC236}">
-                <a16:creationId xmlns:a16="http://schemas.microsoft.com/office/drawing/2014/main" xmlns="" id="{B8A2F1BB-B5F8-4363-ADF1-F1ECF7FEF6ED}"/>
+                <a16:creationId xmlns:a16="http://schemas.microsoft.com/office/drawing/2014/main" id="{B8A2F1BB-B5F8-4363-ADF1-F1ECF7FEF6ED}"/>
               </a:ext>
             </a:extLst>
           </p:cNvPr>
@@ -5341,16 +5222,12 @@
           <a:p>
             <a:pPr algn="ctr"/>
             <a:r>
-              <a:rPr lang="ko-KR" altLang="en-US" sz="1200" dirty="0" smtClean="0">
+              <a:rPr lang="ko-KR" altLang="en-US" sz="1200" dirty="0">
                 <a:latin typeface="12롯데마트행복Light" panose="02020603020101020101" pitchFamily="18" charset="-127"/>
                 <a:ea typeface="12롯데마트행복Light" panose="02020603020101020101" pitchFamily="18" charset="-127"/>
               </a:rPr>
               <a:t>거만함</a:t>
             </a:r>
-            <a:endParaRPr lang="ko-KR" altLang="en-US" sz="1200" dirty="0">
-              <a:latin typeface="12롯데마트행복Light" panose="02020603020101020101" pitchFamily="18" charset="-127"/>
-              <a:ea typeface="12롯데마트행복Light" panose="02020603020101020101" pitchFamily="18" charset="-127"/>
-            </a:endParaRPr>
           </a:p>
         </p:txBody>
       </p:sp>
@@ -5359,7 +5236,7 @@
           <p:cNvPr id="49" name="타원 48">
             <a:extLst>
               <a:ext uri="{FF2B5EF4-FFF2-40B4-BE49-F238E27FC236}">
-                <a16:creationId xmlns:a16="http://schemas.microsoft.com/office/drawing/2014/main" xmlns="" id="{B8A2F1BB-B5F8-4363-ADF1-F1ECF7FEF6ED}"/>
+                <a16:creationId xmlns:a16="http://schemas.microsoft.com/office/drawing/2014/main" id="{B8A2F1BB-B5F8-4363-ADF1-F1ECF7FEF6ED}"/>
               </a:ext>
             </a:extLst>
           </p:cNvPr>
@@ -5406,16 +5283,12 @@
           <a:p>
             <a:pPr algn="ctr"/>
             <a:r>
-              <a:rPr lang="ko-KR" altLang="en-US" sz="1200" dirty="0" smtClean="0">
+              <a:rPr lang="ko-KR" altLang="en-US" sz="1200" dirty="0">
                 <a:latin typeface="12롯데마트행복Light" panose="02020603020101020101" pitchFamily="18" charset="-127"/>
                 <a:ea typeface="12롯데마트행복Light" panose="02020603020101020101" pitchFamily="18" charset="-127"/>
               </a:rPr>
               <a:t>완강한</a:t>
             </a:r>
-            <a:endParaRPr lang="ko-KR" altLang="en-US" sz="1200" dirty="0">
-              <a:latin typeface="12롯데마트행복Light" panose="02020603020101020101" pitchFamily="18" charset="-127"/>
-              <a:ea typeface="12롯데마트행복Light" panose="02020603020101020101" pitchFamily="18" charset="-127"/>
-            </a:endParaRPr>
           </a:p>
         </p:txBody>
       </p:sp>
@@ -5424,7 +5297,7 @@
           <p:cNvPr id="50" name="타원 49">
             <a:extLst>
               <a:ext uri="{FF2B5EF4-FFF2-40B4-BE49-F238E27FC236}">
-                <a16:creationId xmlns:a16="http://schemas.microsoft.com/office/drawing/2014/main" xmlns="" id="{B8A2F1BB-B5F8-4363-ADF1-F1ECF7FEF6ED}"/>
+                <a16:creationId xmlns:a16="http://schemas.microsoft.com/office/drawing/2014/main" id="{B8A2F1BB-B5F8-4363-ADF1-F1ECF7FEF6ED}"/>
               </a:ext>
             </a:extLst>
           </p:cNvPr>
@@ -5471,16 +5344,12 @@
           <a:p>
             <a:pPr algn="ctr"/>
             <a:r>
-              <a:rPr lang="ko-KR" altLang="en-US" sz="1200" dirty="0" smtClean="0">
+              <a:rPr lang="ko-KR" altLang="en-US" sz="1200" dirty="0">
                 <a:latin typeface="12롯데마트행복Light" panose="02020603020101020101" pitchFamily="18" charset="-127"/>
                 <a:ea typeface="12롯데마트행복Light" panose="02020603020101020101" pitchFamily="18" charset="-127"/>
               </a:rPr>
               <a:t>분노</a:t>
             </a:r>
-            <a:endParaRPr lang="ko-KR" altLang="en-US" sz="1200" dirty="0">
-              <a:latin typeface="12롯데마트행복Light" panose="02020603020101020101" pitchFamily="18" charset="-127"/>
-              <a:ea typeface="12롯데마트행복Light" panose="02020603020101020101" pitchFamily="18" charset="-127"/>
-            </a:endParaRPr>
           </a:p>
         </p:txBody>
       </p:sp>
@@ -5489,7 +5358,7 @@
           <p:cNvPr id="51" name="타원 50">
             <a:extLst>
               <a:ext uri="{FF2B5EF4-FFF2-40B4-BE49-F238E27FC236}">
-                <a16:creationId xmlns:a16="http://schemas.microsoft.com/office/drawing/2014/main" xmlns="" id="{B8A2F1BB-B5F8-4363-ADF1-F1ECF7FEF6ED}"/>
+                <a16:creationId xmlns:a16="http://schemas.microsoft.com/office/drawing/2014/main" id="{B8A2F1BB-B5F8-4363-ADF1-F1ECF7FEF6ED}"/>
               </a:ext>
             </a:extLst>
           </p:cNvPr>
@@ -5536,23 +5405,12 @@
           <a:p>
             <a:pPr algn="ctr"/>
             <a:r>
-              <a:rPr lang="ko-KR" altLang="en-US" sz="1200" dirty="0" smtClean="0">
-                <a:latin typeface="12롯데마트행복Light" panose="02020603020101020101" pitchFamily="18" charset="-127"/>
-                <a:ea typeface="12롯데마트행복Light" panose="02020603020101020101" pitchFamily="18" charset="-127"/>
-              </a:rPr>
-              <a:t>반</a:t>
-            </a:r>
-            <a:r>
               <a:rPr lang="ko-KR" altLang="en-US" sz="1200" dirty="0">
                 <a:latin typeface="12롯데마트행복Light" panose="02020603020101020101" pitchFamily="18" charset="-127"/>
                 <a:ea typeface="12롯데마트행복Light" panose="02020603020101020101" pitchFamily="18" charset="-127"/>
               </a:rPr>
-              <a:t>항</a:t>
+              <a:t>반항</a:t>
             </a:r>
-            <a:endParaRPr lang="ko-KR" altLang="en-US" sz="1200" dirty="0">
-              <a:latin typeface="12롯데마트행복Light" panose="02020603020101020101" pitchFamily="18" charset="-127"/>
-              <a:ea typeface="12롯데마트행복Light" panose="02020603020101020101" pitchFamily="18" charset="-127"/>
-            </a:endParaRPr>
           </a:p>
         </p:txBody>
       </p:sp>
@@ -5566,13 +5424,6 @@
   <p:clrMapOvr>
     <a:masterClrMapping/>
   </p:clrMapOvr>
-  <p:timing>
-    <p:tnLst>
-      <p:par>
-        <p:cTn id="1" dur="indefinite" restart="never" nodeType="tmRoot"/>
-      </p:par>
-    </p:tnLst>
-  </p:timing>
 </p:sld>
 </file>
 
@@ -5647,10 +5498,34 @@
                 <a:tableStyleId>{5C22544A-7EE6-4342-B048-85BDC9FD1C3A}</a:tableStyleId>
               </a:tblPr>
               <a:tblGrid>
-                <a:gridCol w="1028132"/>
-                <a:gridCol w="1028132"/>
-                <a:gridCol w="1028132"/>
-                <a:gridCol w="1028132"/>
+                <a:gridCol w="1028132">
+                  <a:extLst>
+                    <a:ext uri="{9D8B030D-6E8A-4147-A177-3AD203B41FA5}">
+                      <a16:colId xmlns:a16="http://schemas.microsoft.com/office/drawing/2014/main" val="20000"/>
+                    </a:ext>
+                  </a:extLst>
+                </a:gridCol>
+                <a:gridCol w="1028132">
+                  <a:extLst>
+                    <a:ext uri="{9D8B030D-6E8A-4147-A177-3AD203B41FA5}">
+                      <a16:colId xmlns:a16="http://schemas.microsoft.com/office/drawing/2014/main" val="20001"/>
+                    </a:ext>
+                  </a:extLst>
+                </a:gridCol>
+                <a:gridCol w="1028132">
+                  <a:extLst>
+                    <a:ext uri="{9D8B030D-6E8A-4147-A177-3AD203B41FA5}">
+                      <a16:colId xmlns:a16="http://schemas.microsoft.com/office/drawing/2014/main" val="20002"/>
+                    </a:ext>
+                  </a:extLst>
+                </a:gridCol>
+                <a:gridCol w="1028132">
+                  <a:extLst>
+                    <a:ext uri="{9D8B030D-6E8A-4147-A177-3AD203B41FA5}">
+                      <a16:colId xmlns:a16="http://schemas.microsoft.com/office/drawing/2014/main" val="20003"/>
+                    </a:ext>
+                  </a:extLst>
+                </a:gridCol>
               </a:tblGrid>
               <a:tr h="836181">
                 <a:tc>
@@ -5713,6 +5588,11 @@
                     </a:solidFill>
                   </a:tcPr>
                 </a:tc>
+                <a:extLst>
+                  <a:ext uri="{0D108BD9-81ED-4DB2-BD59-A6C34878D82A}">
+                    <a16:rowId xmlns:a16="http://schemas.microsoft.com/office/drawing/2014/main" val="10000"/>
+                  </a:ext>
+                </a:extLst>
               </a:tr>
             </a:tbl>
           </a:graphicData>
@@ -5743,9 +5623,27 @@
                 <a:tableStyleId>{5940675A-B579-460E-94D1-54222C63F5DA}</a:tableStyleId>
               </a:tblPr>
               <a:tblGrid>
-                <a:gridCol w="406761"/>
-                <a:gridCol w="1397996"/>
-                <a:gridCol w="4136568"/>
+                <a:gridCol w="406761">
+                  <a:extLst>
+                    <a:ext uri="{9D8B030D-6E8A-4147-A177-3AD203B41FA5}">
+                      <a16:colId xmlns:a16="http://schemas.microsoft.com/office/drawing/2014/main" val="20000"/>
+                    </a:ext>
+                  </a:extLst>
+                </a:gridCol>
+                <a:gridCol w="1397996">
+                  <a:extLst>
+                    <a:ext uri="{9D8B030D-6E8A-4147-A177-3AD203B41FA5}">
+                      <a16:colId xmlns:a16="http://schemas.microsoft.com/office/drawing/2014/main" val="20001"/>
+                    </a:ext>
+                  </a:extLst>
+                </a:gridCol>
+                <a:gridCol w="4136568">
+                  <a:extLst>
+                    <a:ext uri="{9D8B030D-6E8A-4147-A177-3AD203B41FA5}">
+                      <a16:colId xmlns:a16="http://schemas.microsoft.com/office/drawing/2014/main" val="20002"/>
+                    </a:ext>
+                  </a:extLst>
+                </a:gridCol>
               </a:tblGrid>
               <a:tr h="893929">
                 <a:tc>
@@ -5755,7 +5653,7 @@
                     <a:p>
                       <a:pPr latinLnBrk="1"/>
                       <a:r>
-                        <a:rPr lang="ko-KR" altLang="en-US" dirty="0" smtClean="0">
+                        <a:rPr lang="ko-KR" altLang="en-US" dirty="0">
                           <a:solidFill>
                             <a:schemeClr val="accent6"/>
                           </a:solidFill>
@@ -5764,13 +5662,6 @@
                         </a:rPr>
                         <a:t>●</a:t>
                       </a:r>
-                      <a:endParaRPr lang="ko-KR" altLang="en-US" dirty="0">
-                        <a:solidFill>
-                          <a:schemeClr val="accent6"/>
-                        </a:solidFill>
-                        <a:latin typeface="12롯데마트행복Light" panose="02020603020101020101" pitchFamily="18" charset="-127"/>
-                        <a:ea typeface="12롯데마트행복Light" panose="02020603020101020101" pitchFamily="18" charset="-127"/>
-                      </a:endParaRPr>
                     </a:p>
                   </a:txBody>
                   <a:tcPr anchor="ctr">
@@ -5803,7 +5694,7 @@
                     <a:p>
                       <a:pPr algn="ctr" latinLnBrk="1"/>
                       <a:r>
-                        <a:rPr lang="en-US" altLang="ko-KR" dirty="0" smtClean="0">
+                        <a:rPr lang="en-US" altLang="ko-KR" dirty="0">
                           <a:latin typeface="12롯데마트행복Light" panose="02020603020101020101" pitchFamily="18" charset="-127"/>
                           <a:ea typeface="12롯데마트행복Light" panose="02020603020101020101" pitchFamily="18" charset="-127"/>
                         </a:rPr>
@@ -5845,63 +5736,63 @@
                     <a:p>
                       <a:pPr latinLnBrk="1"/>
                       <a:r>
-                        <a:rPr lang="ko-KR" altLang="en-US" dirty="0" smtClean="0">
+                        <a:rPr lang="ko-KR" altLang="en-US" dirty="0">
                           <a:latin typeface="12롯데마트행복Light" panose="02020603020101020101" pitchFamily="18" charset="-127"/>
                           <a:ea typeface="12롯데마트행복Light" panose="02020603020101020101" pitchFamily="18" charset="-127"/>
                         </a:rPr>
                         <a:t>로고</a:t>
                       </a:r>
                       <a:r>
-                        <a:rPr lang="en-US" altLang="ko-KR" dirty="0" smtClean="0">
+                        <a:rPr lang="en-US" altLang="ko-KR" dirty="0">
                           <a:latin typeface="12롯데마트행복Light" panose="02020603020101020101" pitchFamily="18" charset="-127"/>
                           <a:ea typeface="12롯데마트행복Light" panose="02020603020101020101" pitchFamily="18" charset="-127"/>
                         </a:rPr>
                         <a:t>,</a:t>
                       </a:r>
                       <a:r>
-                        <a:rPr lang="en-US" altLang="ko-KR" baseline="0" dirty="0" smtClean="0">
+                        <a:rPr lang="en-US" altLang="ko-KR" baseline="0" dirty="0">
                           <a:latin typeface="12롯데마트행복Light" panose="02020603020101020101" pitchFamily="18" charset="-127"/>
                           <a:ea typeface="12롯데마트행복Light" panose="02020603020101020101" pitchFamily="18" charset="-127"/>
                         </a:rPr>
                         <a:t> </a:t>
                       </a:r>
                       <a:r>
-                        <a:rPr lang="ko-KR" altLang="en-US" baseline="0" dirty="0" smtClean="0">
+                        <a:rPr lang="ko-KR" altLang="en-US" baseline="0" dirty="0">
                           <a:latin typeface="12롯데마트행복Light" panose="02020603020101020101" pitchFamily="18" charset="-127"/>
                           <a:ea typeface="12롯데마트행복Light" panose="02020603020101020101" pitchFamily="18" charset="-127"/>
                         </a:rPr>
                         <a:t>회원가입</a:t>
                       </a:r>
                       <a:r>
-                        <a:rPr lang="en-US" altLang="ko-KR" baseline="0" dirty="0" smtClean="0">
+                        <a:rPr lang="en-US" altLang="ko-KR" baseline="0" dirty="0">
                           <a:latin typeface="12롯데마트행복Light" panose="02020603020101020101" pitchFamily="18" charset="-127"/>
                           <a:ea typeface="12롯데마트행복Light" panose="02020603020101020101" pitchFamily="18" charset="-127"/>
                         </a:rPr>
                         <a:t>, </a:t>
                       </a:r>
                       <a:r>
-                        <a:rPr lang="ko-KR" altLang="en-US" baseline="0" dirty="0" smtClean="0">
+                        <a:rPr lang="ko-KR" altLang="en-US" baseline="0" dirty="0">
                           <a:latin typeface="12롯데마트행복Light" panose="02020603020101020101" pitchFamily="18" charset="-127"/>
                           <a:ea typeface="12롯데마트행복Light" panose="02020603020101020101" pitchFamily="18" charset="-127"/>
                         </a:rPr>
                         <a:t>로그인</a:t>
                       </a:r>
                       <a:r>
-                        <a:rPr lang="en-US" altLang="ko-KR" baseline="0" dirty="0" smtClean="0">
+                        <a:rPr lang="en-US" altLang="ko-KR" baseline="0" dirty="0">
                           <a:latin typeface="12롯데마트행복Light" panose="02020603020101020101" pitchFamily="18" charset="-127"/>
                           <a:ea typeface="12롯데마트행복Light" panose="02020603020101020101" pitchFamily="18" charset="-127"/>
                         </a:rPr>
                         <a:t>, </a:t>
                       </a:r>
                       <a:r>
-                        <a:rPr lang="ko-KR" altLang="en-US" baseline="0" dirty="0" err="1" smtClean="0">
+                        <a:rPr lang="ko-KR" altLang="en-US" baseline="0" dirty="0" err="1">
                           <a:latin typeface="12롯데마트행복Light" panose="02020603020101020101" pitchFamily="18" charset="-127"/>
                           <a:ea typeface="12롯데마트행복Light" panose="02020603020101020101" pitchFamily="18" charset="-127"/>
                         </a:rPr>
                         <a:t>메인메뉴</a:t>
                       </a:r>
                       <a:r>
-                        <a:rPr lang="ko-KR" altLang="en-US" baseline="0" dirty="0" smtClean="0">
+                        <a:rPr lang="ko-KR" altLang="en-US" baseline="0" dirty="0">
                           <a:latin typeface="12롯데마트행복Light" panose="02020603020101020101" pitchFamily="18" charset="-127"/>
                           <a:ea typeface="12롯데마트행복Light" panose="02020603020101020101" pitchFamily="18" charset="-127"/>
                         </a:rPr>
@@ -5936,6 +5827,11 @@
                     </a:lnBlToTr>
                   </a:tcPr>
                 </a:tc>
+                <a:extLst>
+                  <a:ext uri="{0D108BD9-81ED-4DB2-BD59-A6C34878D82A}">
+                    <a16:rowId xmlns:a16="http://schemas.microsoft.com/office/drawing/2014/main" val="10000"/>
+                  </a:ext>
+                </a:extLst>
               </a:tr>
               <a:tr h="893929">
                 <a:tc>
@@ -5961,7 +5857,7 @@
                         <a:defRPr/>
                       </a:pPr>
                       <a:r>
-                        <a:rPr lang="ko-KR" altLang="en-US" dirty="0" smtClean="0">
+                        <a:rPr lang="ko-KR" altLang="en-US" dirty="0">
                           <a:solidFill>
                             <a:srgbClr val="FFC000"/>
                           </a:solidFill>
@@ -6002,7 +5898,7 @@
                     <a:p>
                       <a:pPr algn="ctr" latinLnBrk="1"/>
                       <a:r>
-                        <a:rPr lang="en-US" altLang="ko-KR" dirty="0" smtClean="0">
+                        <a:rPr lang="en-US" altLang="ko-KR" dirty="0">
                           <a:latin typeface="12롯데마트행복Light" panose="02020603020101020101" pitchFamily="18" charset="-127"/>
                           <a:ea typeface="12롯데마트행복Light" panose="02020603020101020101" pitchFamily="18" charset="-127"/>
                         </a:rPr>
@@ -6044,16 +5940,12 @@
                     <a:p>
                       <a:pPr latinLnBrk="1"/>
                       <a:r>
-                        <a:rPr lang="ko-KR" altLang="en-US" dirty="0" smtClean="0">
+                        <a:rPr lang="ko-KR" altLang="en-US" dirty="0">
                           <a:latin typeface="12롯데마트행복Light" panose="02020603020101020101" pitchFamily="18" charset="-127"/>
                           <a:ea typeface="12롯데마트행복Light" panose="02020603020101020101" pitchFamily="18" charset="-127"/>
                         </a:rPr>
                         <a:t>대표 제품을 배경으로 사용함</a:t>
                       </a:r>
-                      <a:endParaRPr lang="ko-KR" altLang="en-US" dirty="0">
-                        <a:latin typeface="12롯데마트행복Light" panose="02020603020101020101" pitchFamily="18" charset="-127"/>
-                        <a:ea typeface="12롯데마트행복Light" panose="02020603020101020101" pitchFamily="18" charset="-127"/>
-                      </a:endParaRPr>
                     </a:p>
                   </a:txBody>
                   <a:tcPr anchor="ctr">
@@ -6079,6 +5971,11 @@
                     </a:lnBlToTr>
                   </a:tcPr>
                 </a:tc>
+                <a:extLst>
+                  <a:ext uri="{0D108BD9-81ED-4DB2-BD59-A6C34878D82A}">
+                    <a16:rowId xmlns:a16="http://schemas.microsoft.com/office/drawing/2014/main" val="10001"/>
+                  </a:ext>
+                </a:extLst>
               </a:tr>
               <a:tr h="893929">
                 <a:tc>
@@ -6088,7 +5985,7 @@
                     <a:p>
                       <a:pPr latinLnBrk="1"/>
                       <a:r>
-                        <a:rPr lang="ko-KR" altLang="en-US" dirty="0" smtClean="0">
+                        <a:rPr lang="ko-KR" altLang="en-US" dirty="0">
                           <a:solidFill>
                             <a:srgbClr val="0070C0"/>
                           </a:solidFill>
@@ -6097,13 +5994,6 @@
                         </a:rPr>
                         <a:t>●</a:t>
                       </a:r>
-                      <a:endParaRPr lang="ko-KR" altLang="en-US" dirty="0">
-                        <a:solidFill>
-                          <a:srgbClr val="0070C0"/>
-                        </a:solidFill>
-                        <a:latin typeface="12롯데마트행복Light" panose="02020603020101020101" pitchFamily="18" charset="-127"/>
-                        <a:ea typeface="12롯데마트행복Light" panose="02020603020101020101" pitchFamily="18" charset="-127"/>
-                      </a:endParaRPr>
                     </a:p>
                   </a:txBody>
                   <a:tcPr anchor="ctr">
@@ -6136,7 +6026,7 @@
                     <a:p>
                       <a:pPr algn="ctr" latinLnBrk="1"/>
                       <a:r>
-                        <a:rPr lang="en-US" altLang="ko-KR" dirty="0" smtClean="0">
+                        <a:rPr lang="en-US" altLang="ko-KR" dirty="0">
                           <a:latin typeface="12롯데마트행복Light" panose="02020603020101020101" pitchFamily="18" charset="-127"/>
                           <a:ea typeface="12롯데마트행복Light" panose="02020603020101020101" pitchFamily="18" charset="-127"/>
                         </a:rPr>
@@ -6178,72 +6068,68 @@
                     <a:p>
                       <a:pPr latinLnBrk="1"/>
                       <a:r>
-                        <a:rPr lang="ko-KR" altLang="en-US" dirty="0" err="1" smtClean="0">
+                        <a:rPr lang="ko-KR" altLang="en-US" dirty="0" err="1">
                           <a:latin typeface="12롯데마트행복Light" panose="02020603020101020101" pitchFamily="18" charset="-127"/>
                           <a:ea typeface="12롯데마트행복Light" panose="02020603020101020101" pitchFamily="18" charset="-127"/>
                         </a:rPr>
                         <a:t>스위트팩토리</a:t>
                       </a:r>
                       <a:r>
-                        <a:rPr lang="ko-KR" altLang="en-US" dirty="0" smtClean="0">
+                        <a:rPr lang="ko-KR" altLang="en-US" dirty="0">
                           <a:latin typeface="12롯데마트행복Light" panose="02020603020101020101" pitchFamily="18" charset="-127"/>
                           <a:ea typeface="12롯데마트행복Light" panose="02020603020101020101" pitchFamily="18" charset="-127"/>
                         </a:rPr>
                         <a:t> 견학</a:t>
                       </a:r>
                       <a:r>
-                        <a:rPr lang="ko-KR" altLang="en-US" baseline="0" dirty="0" smtClean="0">
+                        <a:rPr lang="ko-KR" altLang="en-US" baseline="0" dirty="0">
                           <a:latin typeface="12롯데마트행복Light" panose="02020603020101020101" pitchFamily="18" charset="-127"/>
                           <a:ea typeface="12롯데마트행복Light" panose="02020603020101020101" pitchFamily="18" charset="-127"/>
                         </a:rPr>
                         <a:t> 안내 </a:t>
                       </a:r>
                       <a:r>
-                        <a:rPr lang="en-US" altLang="ko-KR" baseline="0" dirty="0" smtClean="0">
+                        <a:rPr lang="en-US" altLang="ko-KR" baseline="0" dirty="0">
                           <a:latin typeface="12롯데마트행복Light" panose="02020603020101020101" pitchFamily="18" charset="-127"/>
                           <a:ea typeface="12롯데마트행복Light" panose="02020603020101020101" pitchFamily="18" charset="-127"/>
                         </a:rPr>
                         <a:t>/ </a:t>
                       </a:r>
                       <a:r>
-                        <a:rPr lang="en-US" altLang="ko-KR" dirty="0" smtClean="0">
+                        <a:rPr lang="en-US" altLang="ko-KR" dirty="0">
                           <a:latin typeface="12롯데마트행복Light" panose="02020603020101020101" pitchFamily="18" charset="-127"/>
                           <a:ea typeface="12롯데마트행복Light" panose="02020603020101020101" pitchFamily="18" charset="-127"/>
                         </a:rPr>
                         <a:t>SNS</a:t>
                       </a:r>
                       <a:r>
-                        <a:rPr lang="ko-KR" altLang="en-US" dirty="0" smtClean="0">
+                        <a:rPr lang="ko-KR" altLang="en-US" dirty="0">
                           <a:latin typeface="12롯데마트행복Light" panose="02020603020101020101" pitchFamily="18" charset="-127"/>
                           <a:ea typeface="12롯데마트행복Light" panose="02020603020101020101" pitchFamily="18" charset="-127"/>
                         </a:rPr>
                         <a:t>에 기재된 이벤트 안내 </a:t>
                       </a:r>
                       <a:r>
-                        <a:rPr lang="en-US" altLang="ko-KR" dirty="0" smtClean="0">
+                        <a:rPr lang="en-US" altLang="ko-KR" dirty="0">
                           <a:latin typeface="12롯데마트행복Light" panose="02020603020101020101" pitchFamily="18" charset="-127"/>
                           <a:ea typeface="12롯데마트행복Light" panose="02020603020101020101" pitchFamily="18" charset="-127"/>
                         </a:rPr>
                         <a:t>/</a:t>
                       </a:r>
                       <a:r>
-                        <a:rPr lang="ko-KR" altLang="en-US" dirty="0" err="1" smtClean="0">
+                        <a:rPr lang="ko-KR" altLang="en-US" dirty="0" err="1">
                           <a:latin typeface="12롯데마트행복Light" panose="02020603020101020101" pitchFamily="18" charset="-127"/>
                           <a:ea typeface="12롯데마트행복Light" panose="02020603020101020101" pitchFamily="18" charset="-127"/>
                         </a:rPr>
                         <a:t>롯데제과</a:t>
                       </a:r>
                       <a:r>
-                        <a:rPr lang="ko-KR" altLang="en-US" dirty="0" smtClean="0">
+                        <a:rPr lang="ko-KR" altLang="en-US" dirty="0">
                           <a:latin typeface="12롯데마트행복Light" panose="02020603020101020101" pitchFamily="18" charset="-127"/>
                           <a:ea typeface="12롯데마트행복Light" panose="02020603020101020101" pitchFamily="18" charset="-127"/>
                         </a:rPr>
                         <a:t> 뉴스 및 신제품</a:t>
                       </a:r>
-                      <a:endParaRPr lang="ko-KR" altLang="en-US" dirty="0">
-                        <a:latin typeface="12롯데마트행복Light" panose="02020603020101020101" pitchFamily="18" charset="-127"/>
-                        <a:ea typeface="12롯데마트행복Light" panose="02020603020101020101" pitchFamily="18" charset="-127"/>
-                      </a:endParaRPr>
                     </a:p>
                   </a:txBody>
                   <a:tcPr anchor="ctr">
@@ -6269,6 +6155,11 @@
                     </a:lnBlToTr>
                   </a:tcPr>
                 </a:tc>
+                <a:extLst>
+                  <a:ext uri="{0D108BD9-81ED-4DB2-BD59-A6C34878D82A}">
+                    <a16:rowId xmlns:a16="http://schemas.microsoft.com/office/drawing/2014/main" val="10002"/>
+                  </a:ext>
+                </a:extLst>
               </a:tr>
               <a:tr h="893929">
                 <a:tc>
@@ -6278,7 +6169,7 @@
                     <a:p>
                       <a:pPr latinLnBrk="1"/>
                       <a:r>
-                        <a:rPr lang="ko-KR" altLang="en-US" dirty="0" smtClean="0">
+                        <a:rPr lang="ko-KR" altLang="en-US" dirty="0">
                           <a:solidFill>
                             <a:srgbClr val="7030A0"/>
                           </a:solidFill>
@@ -6287,13 +6178,6 @@
                         </a:rPr>
                         <a:t>●</a:t>
                       </a:r>
-                      <a:endParaRPr lang="ko-KR" altLang="en-US" dirty="0">
-                        <a:solidFill>
-                          <a:srgbClr val="7030A0"/>
-                        </a:solidFill>
-                        <a:latin typeface="12롯데마트행복Light" panose="02020603020101020101" pitchFamily="18" charset="-127"/>
-                        <a:ea typeface="12롯데마트행복Light" panose="02020603020101020101" pitchFamily="18" charset="-127"/>
-                      </a:endParaRPr>
                     </a:p>
                   </a:txBody>
                   <a:tcPr anchor="ctr">
@@ -6326,7 +6210,7 @@
                     <a:p>
                       <a:pPr algn="ctr" latinLnBrk="1"/>
                       <a:r>
-                        <a:rPr lang="en-US" altLang="ko-KR" dirty="0" smtClean="0">
+                        <a:rPr lang="en-US" altLang="ko-KR" dirty="0">
                           <a:latin typeface="12롯데마트행복Light" panose="02020603020101020101" pitchFamily="18" charset="-127"/>
                           <a:ea typeface="12롯데마트행복Light" panose="02020603020101020101" pitchFamily="18" charset="-127"/>
                         </a:rPr>
@@ -6368,23 +6252,19 @@
                     <a:p>
                       <a:pPr latinLnBrk="1"/>
                       <a:r>
-                        <a:rPr lang="en-US" altLang="ko-KR" dirty="0" smtClean="0">
+                        <a:rPr lang="en-US" altLang="ko-KR" dirty="0">
                           <a:latin typeface="12롯데마트행복Light" panose="02020603020101020101" pitchFamily="18" charset="-127"/>
                           <a:ea typeface="12롯데마트행복Light" panose="02020603020101020101" pitchFamily="18" charset="-127"/>
                         </a:rPr>
                         <a:t>FAMILY SITE </a:t>
                       </a:r>
                       <a:r>
-                        <a:rPr lang="ko-KR" altLang="en-US" dirty="0" smtClean="0">
+                        <a:rPr lang="ko-KR" altLang="en-US" dirty="0">
                           <a:latin typeface="12롯데마트행복Light" panose="02020603020101020101" pitchFamily="18" charset="-127"/>
                           <a:ea typeface="12롯데마트행복Light" panose="02020603020101020101" pitchFamily="18" charset="-127"/>
                         </a:rPr>
                         <a:t>배치</a:t>
                       </a:r>
-                      <a:endParaRPr lang="ko-KR" altLang="en-US" dirty="0">
-                        <a:latin typeface="12롯데마트행복Light" panose="02020603020101020101" pitchFamily="18" charset="-127"/>
-                        <a:ea typeface="12롯데마트행복Light" panose="02020603020101020101" pitchFamily="18" charset="-127"/>
-                      </a:endParaRPr>
                     </a:p>
                   </a:txBody>
                   <a:tcPr anchor="ctr">
@@ -6410,6 +6290,11 @@
                     </a:lnBlToTr>
                   </a:tcPr>
                 </a:tc>
+                <a:extLst>
+                  <a:ext uri="{0D108BD9-81ED-4DB2-BD59-A6C34878D82A}">
+                    <a16:rowId xmlns:a16="http://schemas.microsoft.com/office/drawing/2014/main" val="10003"/>
+                  </a:ext>
+                </a:extLst>
               </a:tr>
             </a:tbl>
           </a:graphicData>
@@ -6420,7 +6305,7 @@
           <p:cNvPr id="13" name="사각형: 잘린 한쪽 모서리 10">
             <a:extLst>
               <a:ext uri="{FF2B5EF4-FFF2-40B4-BE49-F238E27FC236}">
-                <a16:creationId xmlns:a16="http://schemas.microsoft.com/office/drawing/2014/main" xmlns="" id="{9FF65406-D6D5-45A3-BBCC-EE736441D3B8}"/>
+                <a16:creationId xmlns:a16="http://schemas.microsoft.com/office/drawing/2014/main" id="{9FF65406-D6D5-45A3-BBCC-EE736441D3B8}"/>
               </a:ext>
             </a:extLst>
           </p:cNvPr>
@@ -6478,7 +6363,7 @@
           <p:cNvPr id="14" name="TextBox 13">
             <a:extLst>
               <a:ext uri="{FF2B5EF4-FFF2-40B4-BE49-F238E27FC236}">
-                <a16:creationId xmlns:a16="http://schemas.microsoft.com/office/drawing/2014/main" xmlns="" id="{EE3963EE-C57D-45EE-AEA6-C980ABEC9695}"/>
+                <a16:creationId xmlns:a16="http://schemas.microsoft.com/office/drawing/2014/main" id="{EE3963EE-C57D-45EE-AEA6-C980ABEC9695}"/>
               </a:ext>
             </a:extLst>
           </p:cNvPr>
@@ -6502,7 +6387,7 @@
           <a:lstStyle/>
           <a:p>
             <a:r>
-              <a:rPr lang="en-US" altLang="ko-KR" sz="3200" spc="-150" dirty="0" smtClean="0">
+              <a:rPr lang="en-US" altLang="ko-KR" sz="3200" spc="-150" dirty="0">
                 <a:ln>
                   <a:solidFill>
                     <a:schemeClr val="tx1">
@@ -6518,20 +6403,6 @@
               </a:rPr>
               <a:t>SITE 01.</a:t>
             </a:r>
-            <a:endParaRPr lang="en-US" altLang="ko-KR" sz="3200" spc="-150" dirty="0">
-              <a:ln>
-                <a:solidFill>
-                  <a:schemeClr val="tx1">
-                    <a:alpha val="1000"/>
-                  </a:schemeClr>
-                </a:solidFill>
-              </a:ln>
-              <a:solidFill>
-                <a:schemeClr val="bg1"/>
-              </a:solidFill>
-              <a:latin typeface="가나초콜릿" panose="020B0600000101010101" pitchFamily="50" charset="-127"/>
-              <a:ea typeface="가나초콜릿" panose="020B0600000101010101" pitchFamily="50" charset="-127"/>
-            </a:endParaRPr>
           </a:p>
         </p:txBody>
       </p:sp>
@@ -6540,7 +6411,7 @@
           <p:cNvPr id="15" name="직선 연결선 14">
             <a:extLst>
               <a:ext uri="{FF2B5EF4-FFF2-40B4-BE49-F238E27FC236}">
-                <a16:creationId xmlns:a16="http://schemas.microsoft.com/office/drawing/2014/main" xmlns="" id="{AB2FF6A1-E990-49C6-8ECB-65503268C179}"/>
+                <a16:creationId xmlns:a16="http://schemas.microsoft.com/office/drawing/2014/main" id="{AB2FF6A1-E990-49C6-8ECB-65503268C179}"/>
               </a:ext>
             </a:extLst>
           </p:cNvPr>
@@ -6583,7 +6454,7 @@
           <p:cNvPr id="16" name="TextBox 15">
             <a:extLst>
               <a:ext uri="{FF2B5EF4-FFF2-40B4-BE49-F238E27FC236}">
-                <a16:creationId xmlns:a16="http://schemas.microsoft.com/office/drawing/2014/main" xmlns="" id="{AB3B2B0C-C96B-43EC-97E1-FB24FAC6D323}"/>
+                <a16:creationId xmlns:a16="http://schemas.microsoft.com/office/drawing/2014/main" id="{AB3B2B0C-C96B-43EC-97E1-FB24FAC6D323}"/>
               </a:ext>
             </a:extLst>
           </p:cNvPr>
@@ -6608,23 +6479,6 @@
           <a:p>
             <a:pPr algn="r"/>
             <a:r>
-              <a:rPr lang="ko-KR" altLang="en-US" sz="3200" spc="-150" dirty="0" err="1" smtClean="0">
-                <a:ln>
-                  <a:solidFill>
-                    <a:schemeClr val="tx1">
-                      <a:alpha val="1000"/>
-                    </a:schemeClr>
-                  </a:solidFill>
-                </a:ln>
-                <a:solidFill>
-                  <a:srgbClr val="C00000"/>
-                </a:solidFill>
-                <a:latin typeface="가나초콜릿" panose="020B0600000101010101" pitchFamily="50" charset="-127"/>
-                <a:ea typeface="가나초콜릿" panose="020B0600000101010101" pitchFamily="50" charset="-127"/>
-              </a:rPr>
-              <a:t>롯데제</a:t>
-            </a:r>
-            <a:r>
               <a:rPr lang="ko-KR" altLang="en-US" sz="3200" spc="-150" dirty="0" err="1">
                 <a:ln>
                   <a:solidFill>
@@ -6639,7 +6493,7 @@
                 <a:latin typeface="가나초콜릿" panose="020B0600000101010101" pitchFamily="50" charset="-127"/>
                 <a:ea typeface="가나초콜릿" panose="020B0600000101010101" pitchFamily="50" charset="-127"/>
               </a:rPr>
-              <a:t>과</a:t>
+              <a:t>롯데제과</a:t>
             </a:r>
             <a:endParaRPr lang="en-US" altLang="ko-KR" sz="3200" spc="-150" dirty="0">
               <a:ln>
@@ -6912,10 +6766,34 @@
                 <a:tableStyleId>{5C22544A-7EE6-4342-B048-85BDC9FD1C3A}</a:tableStyleId>
               </a:tblPr>
               <a:tblGrid>
-                <a:gridCol w="1028132"/>
-                <a:gridCol w="1028132"/>
-                <a:gridCol w="1028132"/>
-                <a:gridCol w="1028132"/>
+                <a:gridCol w="1028132">
+                  <a:extLst>
+                    <a:ext uri="{9D8B030D-6E8A-4147-A177-3AD203B41FA5}">
+                      <a16:colId xmlns:a16="http://schemas.microsoft.com/office/drawing/2014/main" val="20000"/>
+                    </a:ext>
+                  </a:extLst>
+                </a:gridCol>
+                <a:gridCol w="1028132">
+                  <a:extLst>
+                    <a:ext uri="{9D8B030D-6E8A-4147-A177-3AD203B41FA5}">
+                      <a16:colId xmlns:a16="http://schemas.microsoft.com/office/drawing/2014/main" val="20001"/>
+                    </a:ext>
+                  </a:extLst>
+                </a:gridCol>
+                <a:gridCol w="1028132">
+                  <a:extLst>
+                    <a:ext uri="{9D8B030D-6E8A-4147-A177-3AD203B41FA5}">
+                      <a16:colId xmlns:a16="http://schemas.microsoft.com/office/drawing/2014/main" val="20002"/>
+                    </a:ext>
+                  </a:extLst>
+                </a:gridCol>
+                <a:gridCol w="1028132">
+                  <a:extLst>
+                    <a:ext uri="{9D8B030D-6E8A-4147-A177-3AD203B41FA5}">
+                      <a16:colId xmlns:a16="http://schemas.microsoft.com/office/drawing/2014/main" val="20003"/>
+                    </a:ext>
+                  </a:extLst>
+                </a:gridCol>
               </a:tblGrid>
               <a:tr h="836181">
                 <a:tc>
@@ -6978,6 +6856,11 @@
                     </a:solidFill>
                   </a:tcPr>
                 </a:tc>
+                <a:extLst>
+                  <a:ext uri="{0D108BD9-81ED-4DB2-BD59-A6C34878D82A}">
+                    <a16:rowId xmlns:a16="http://schemas.microsoft.com/office/drawing/2014/main" val="10000"/>
+                  </a:ext>
+                </a:extLst>
               </a:tr>
             </a:tbl>
           </a:graphicData>
@@ -6988,7 +6871,7 @@
           <p:cNvPr id="18" name="사각형: 잘린 한쪽 모서리 10">
             <a:extLst>
               <a:ext uri="{FF2B5EF4-FFF2-40B4-BE49-F238E27FC236}">
-                <a16:creationId xmlns:a16="http://schemas.microsoft.com/office/drawing/2014/main" xmlns="" id="{9FF65406-D6D5-45A3-BBCC-EE736441D3B8}"/>
+                <a16:creationId xmlns:a16="http://schemas.microsoft.com/office/drawing/2014/main" id="{9FF65406-D6D5-45A3-BBCC-EE736441D3B8}"/>
               </a:ext>
             </a:extLst>
           </p:cNvPr>
@@ -7046,7 +6929,7 @@
           <p:cNvPr id="19" name="TextBox 18">
             <a:extLst>
               <a:ext uri="{FF2B5EF4-FFF2-40B4-BE49-F238E27FC236}">
-                <a16:creationId xmlns:a16="http://schemas.microsoft.com/office/drawing/2014/main" xmlns="" id="{EE3963EE-C57D-45EE-AEA6-C980ABEC9695}"/>
+                <a16:creationId xmlns:a16="http://schemas.microsoft.com/office/drawing/2014/main" id="{EE3963EE-C57D-45EE-AEA6-C980ABEC9695}"/>
               </a:ext>
             </a:extLst>
           </p:cNvPr>
@@ -7070,7 +6953,7 @@
           <a:lstStyle/>
           <a:p>
             <a:r>
-              <a:rPr lang="en-US" altLang="ko-KR" sz="3200" spc="-150" dirty="0" smtClean="0">
+              <a:rPr lang="en-US" altLang="ko-KR" sz="3200" spc="-150" dirty="0">
                 <a:ln>
                   <a:solidFill>
                     <a:schemeClr val="tx1">
@@ -7086,20 +6969,6 @@
               </a:rPr>
               <a:t>SITE 02.</a:t>
             </a:r>
-            <a:endParaRPr lang="en-US" altLang="ko-KR" sz="3200" spc="-150" dirty="0">
-              <a:ln>
-                <a:solidFill>
-                  <a:schemeClr val="tx1">
-                    <a:alpha val="1000"/>
-                  </a:schemeClr>
-                </a:solidFill>
-              </a:ln>
-              <a:solidFill>
-                <a:schemeClr val="bg1"/>
-              </a:solidFill>
-              <a:latin typeface="가나초콜릿" panose="020B0600000101010101" pitchFamily="50" charset="-127"/>
-              <a:ea typeface="가나초콜릿" panose="020B0600000101010101" pitchFamily="50" charset="-127"/>
-            </a:endParaRPr>
           </a:p>
         </p:txBody>
       </p:sp>
@@ -7137,7 +7006,7 @@
           <p:cNvPr id="24" name="직선 연결선 23">
             <a:extLst>
               <a:ext uri="{FF2B5EF4-FFF2-40B4-BE49-F238E27FC236}">
-                <a16:creationId xmlns:a16="http://schemas.microsoft.com/office/drawing/2014/main" xmlns="" id="{AB2FF6A1-E990-49C6-8ECB-65503268C179}"/>
+                <a16:creationId xmlns:a16="http://schemas.microsoft.com/office/drawing/2014/main" id="{AB2FF6A1-E990-49C6-8ECB-65503268C179}"/>
               </a:ext>
             </a:extLst>
           </p:cNvPr>
@@ -7180,7 +7049,7 @@
           <p:cNvPr id="25" name="TextBox 24">
             <a:extLst>
               <a:ext uri="{FF2B5EF4-FFF2-40B4-BE49-F238E27FC236}">
-                <a16:creationId xmlns:a16="http://schemas.microsoft.com/office/drawing/2014/main" xmlns="" id="{AB3B2B0C-C96B-43EC-97E1-FB24FAC6D323}"/>
+                <a16:creationId xmlns:a16="http://schemas.microsoft.com/office/drawing/2014/main" id="{AB3B2B0C-C96B-43EC-97E1-FB24FAC6D323}"/>
               </a:ext>
             </a:extLst>
           </p:cNvPr>
@@ -7205,23 +7074,6 @@
           <a:p>
             <a:pPr algn="r"/>
             <a:r>
-              <a:rPr lang="ko-KR" altLang="en-US" sz="3200" spc="-150" dirty="0" err="1" smtClean="0">
-                <a:ln>
-                  <a:solidFill>
-                    <a:schemeClr val="tx1">
-                      <a:alpha val="1000"/>
-                    </a:schemeClr>
-                  </a:solidFill>
-                </a:ln>
-                <a:solidFill>
-                  <a:srgbClr val="C00000"/>
-                </a:solidFill>
-                <a:latin typeface="가나초콜릿" panose="020B0600000101010101" pitchFamily="50" charset="-127"/>
-                <a:ea typeface="가나초콜릿" panose="020B0600000101010101" pitchFamily="50" charset="-127"/>
-              </a:rPr>
-              <a:t>농심켈로</a:t>
-            </a:r>
-            <a:r>
               <a:rPr lang="ko-KR" altLang="en-US" sz="3200" spc="-150" dirty="0" err="1">
                 <a:ln>
                   <a:solidFill>
@@ -7236,7 +7088,7 @@
                 <a:latin typeface="가나초콜릿" panose="020B0600000101010101" pitchFamily="50" charset="-127"/>
                 <a:ea typeface="가나초콜릿" panose="020B0600000101010101" pitchFamily="50" charset="-127"/>
               </a:rPr>
-              <a:t>그</a:t>
+              <a:t>농심켈로그</a:t>
             </a:r>
             <a:endParaRPr lang="en-US" altLang="ko-KR" sz="3200" spc="-150" dirty="0">
               <a:ln>
@@ -7280,9 +7132,27 @@
                 <a:tableStyleId>{5940675A-B579-460E-94D1-54222C63F5DA}</a:tableStyleId>
               </a:tblPr>
               <a:tblGrid>
-                <a:gridCol w="406761"/>
-                <a:gridCol w="1397996"/>
-                <a:gridCol w="4136568"/>
+                <a:gridCol w="406761">
+                  <a:extLst>
+                    <a:ext uri="{9D8B030D-6E8A-4147-A177-3AD203B41FA5}">
+                      <a16:colId xmlns:a16="http://schemas.microsoft.com/office/drawing/2014/main" val="20000"/>
+                    </a:ext>
+                  </a:extLst>
+                </a:gridCol>
+                <a:gridCol w="1397996">
+                  <a:extLst>
+                    <a:ext uri="{9D8B030D-6E8A-4147-A177-3AD203B41FA5}">
+                      <a16:colId xmlns:a16="http://schemas.microsoft.com/office/drawing/2014/main" val="20001"/>
+                    </a:ext>
+                  </a:extLst>
+                </a:gridCol>
+                <a:gridCol w="4136568">
+                  <a:extLst>
+                    <a:ext uri="{9D8B030D-6E8A-4147-A177-3AD203B41FA5}">
+                      <a16:colId xmlns:a16="http://schemas.microsoft.com/office/drawing/2014/main" val="20002"/>
+                    </a:ext>
+                  </a:extLst>
+                </a:gridCol>
               </a:tblGrid>
               <a:tr h="893929">
                 <a:tc>
@@ -7292,7 +7162,7 @@
                     <a:p>
                       <a:pPr latinLnBrk="1"/>
                       <a:r>
-                        <a:rPr lang="ko-KR" altLang="en-US" dirty="0" smtClean="0">
+                        <a:rPr lang="ko-KR" altLang="en-US" dirty="0">
                           <a:solidFill>
                             <a:schemeClr val="accent6"/>
                           </a:solidFill>
@@ -7301,13 +7171,6 @@
                         </a:rPr>
                         <a:t>●</a:t>
                       </a:r>
-                      <a:endParaRPr lang="ko-KR" altLang="en-US" dirty="0">
-                        <a:solidFill>
-                          <a:schemeClr val="accent6"/>
-                        </a:solidFill>
-                        <a:latin typeface="12롯데마트행복Light" panose="02020603020101020101" pitchFamily="18" charset="-127"/>
-                        <a:ea typeface="12롯데마트행복Light" panose="02020603020101020101" pitchFamily="18" charset="-127"/>
-                      </a:endParaRPr>
                     </a:p>
                   </a:txBody>
                   <a:tcPr anchor="ctr">
@@ -7340,7 +7203,7 @@
                     <a:p>
                       <a:pPr algn="ctr" latinLnBrk="1"/>
                       <a:r>
-                        <a:rPr lang="en-US" altLang="ko-KR" dirty="0" smtClean="0">
+                        <a:rPr lang="en-US" altLang="ko-KR" dirty="0">
                           <a:latin typeface="12롯데마트행복Light" panose="02020603020101020101" pitchFamily="18" charset="-127"/>
                           <a:ea typeface="12롯데마트행복Light" panose="02020603020101020101" pitchFamily="18" charset="-127"/>
                         </a:rPr>
@@ -7382,105 +7245,105 @@
                     <a:p>
                       <a:pPr latinLnBrk="1"/>
                       <a:r>
-                        <a:rPr lang="ko-KR" altLang="en-US" dirty="0" smtClean="0">
+                        <a:rPr lang="ko-KR" altLang="en-US" dirty="0">
                           <a:latin typeface="12롯데마트행복Light" panose="02020603020101020101" pitchFamily="18" charset="-127"/>
                           <a:ea typeface="12롯데마트행복Light" panose="02020603020101020101" pitchFamily="18" charset="-127"/>
                         </a:rPr>
                         <a:t>로고</a:t>
                       </a:r>
                       <a:r>
-                        <a:rPr lang="en-US" altLang="ko-KR" dirty="0" smtClean="0">
+                        <a:rPr lang="en-US" altLang="ko-KR" dirty="0">
                           <a:latin typeface="12롯데마트행복Light" panose="02020603020101020101" pitchFamily="18" charset="-127"/>
                           <a:ea typeface="12롯데마트행복Light" panose="02020603020101020101" pitchFamily="18" charset="-127"/>
                         </a:rPr>
                         <a:t>,</a:t>
                       </a:r>
                       <a:r>
-                        <a:rPr lang="en-US" altLang="ko-KR" baseline="0" dirty="0" smtClean="0">
+                        <a:rPr lang="en-US" altLang="ko-KR" baseline="0" dirty="0">
                           <a:latin typeface="12롯데마트행복Light" panose="02020603020101020101" pitchFamily="18" charset="-127"/>
                           <a:ea typeface="12롯데마트행복Light" panose="02020603020101020101" pitchFamily="18" charset="-127"/>
                         </a:rPr>
                         <a:t> </a:t>
                       </a:r>
                       <a:r>
-                        <a:rPr lang="ko-KR" altLang="en-US" baseline="0" dirty="0" smtClean="0">
+                        <a:rPr lang="ko-KR" altLang="en-US" baseline="0" dirty="0">
                           <a:latin typeface="12롯데마트행복Light" panose="02020603020101020101" pitchFamily="18" charset="-127"/>
                           <a:ea typeface="12롯데마트행복Light" panose="02020603020101020101" pitchFamily="18" charset="-127"/>
                         </a:rPr>
                         <a:t>메뉴 배치 </a:t>
                       </a:r>
                       <a:r>
-                        <a:rPr lang="en-US" altLang="ko-KR" baseline="0" dirty="0" smtClean="0">
+                        <a:rPr lang="en-US" altLang="ko-KR" baseline="0" dirty="0">
                           <a:latin typeface="12롯데마트행복Light" panose="02020603020101020101" pitchFamily="18" charset="-127"/>
                           <a:ea typeface="12롯데마트행복Light" panose="02020603020101020101" pitchFamily="18" charset="-127"/>
                         </a:rPr>
                         <a:t>/ </a:t>
                       </a:r>
                       <a:r>
-                        <a:rPr lang="ko-KR" altLang="en-US" baseline="0" dirty="0" smtClean="0">
+                        <a:rPr lang="ko-KR" altLang="en-US" baseline="0" dirty="0">
                           <a:latin typeface="12롯데마트행복Light" panose="02020603020101020101" pitchFamily="18" charset="-127"/>
                           <a:ea typeface="12롯데마트행복Light" panose="02020603020101020101" pitchFamily="18" charset="-127"/>
                         </a:rPr>
                         <a:t>언어 선택 및 </a:t>
                       </a:r>
                       <a:r>
-                        <a:rPr lang="ko-KR" altLang="en-US" baseline="0" dirty="0" err="1" smtClean="0">
+                        <a:rPr lang="ko-KR" altLang="en-US" baseline="0" dirty="0" err="1">
                           <a:latin typeface="12롯데마트행복Light" panose="02020603020101020101" pitchFamily="18" charset="-127"/>
                           <a:ea typeface="12롯데마트행복Light" panose="02020603020101020101" pitchFamily="18" charset="-127"/>
                         </a:rPr>
                         <a:t>사이트내</a:t>
                       </a:r>
                       <a:r>
-                        <a:rPr lang="ko-KR" altLang="en-US" baseline="0" dirty="0" smtClean="0">
+                        <a:rPr lang="ko-KR" altLang="en-US" baseline="0" dirty="0">
                           <a:latin typeface="12롯데마트행복Light" panose="02020603020101020101" pitchFamily="18" charset="-127"/>
                           <a:ea typeface="12롯데마트행복Light" panose="02020603020101020101" pitchFamily="18" charset="-127"/>
                         </a:rPr>
                         <a:t> </a:t>
                       </a:r>
                       <a:r>
-                        <a:rPr lang="ko-KR" altLang="en-US" baseline="0" dirty="0" err="1" smtClean="0">
+                        <a:rPr lang="ko-KR" altLang="en-US" baseline="0" dirty="0" err="1">
                           <a:latin typeface="12롯데마트행복Light" panose="02020603020101020101" pitchFamily="18" charset="-127"/>
                           <a:ea typeface="12롯데마트행복Light" panose="02020603020101020101" pitchFamily="18" charset="-127"/>
                         </a:rPr>
                         <a:t>검색바</a:t>
                       </a:r>
                       <a:r>
-                        <a:rPr lang="ko-KR" altLang="en-US" baseline="0" dirty="0" smtClean="0">
+                        <a:rPr lang="ko-KR" altLang="en-US" baseline="0" dirty="0">
                           <a:latin typeface="12롯데마트행복Light" panose="02020603020101020101" pitchFamily="18" charset="-127"/>
                           <a:ea typeface="12롯데마트행복Light" panose="02020603020101020101" pitchFamily="18" charset="-127"/>
                         </a:rPr>
                         <a:t> 배치 </a:t>
                       </a:r>
                       <a:r>
-                        <a:rPr lang="en-US" altLang="ko-KR" baseline="0" dirty="0" smtClean="0">
+                        <a:rPr lang="en-US" altLang="ko-KR" baseline="0" dirty="0">
                           <a:latin typeface="12롯데마트행복Light" panose="02020603020101020101" pitchFamily="18" charset="-127"/>
                           <a:ea typeface="12롯데마트행복Light" panose="02020603020101020101" pitchFamily="18" charset="-127"/>
                         </a:rPr>
                         <a:t>/ </a:t>
                       </a:r>
                       <a:r>
-                        <a:rPr lang="ko-KR" altLang="en-US" baseline="0" dirty="0" smtClean="0">
+                        <a:rPr lang="ko-KR" altLang="en-US" baseline="0" dirty="0">
                           <a:latin typeface="12롯데마트행복Light" panose="02020603020101020101" pitchFamily="18" charset="-127"/>
                           <a:ea typeface="12롯데마트행복Light" panose="02020603020101020101" pitchFamily="18" charset="-127"/>
                         </a:rPr>
                         <a:t>고객문의 </a:t>
                       </a:r>
                       <a:r>
-                        <a:rPr lang="en-US" altLang="ko-KR" baseline="0" dirty="0" smtClean="0">
+                        <a:rPr lang="en-US" altLang="ko-KR" baseline="0" dirty="0">
                           <a:latin typeface="12롯데마트행복Light" panose="02020603020101020101" pitchFamily="18" charset="-127"/>
                           <a:ea typeface="12롯데마트행복Light" panose="02020603020101020101" pitchFamily="18" charset="-127"/>
                         </a:rPr>
                         <a:t>TAP </a:t>
                       </a:r>
                       <a:r>
-                        <a:rPr lang="ko-KR" altLang="en-US" baseline="0" dirty="0" err="1" smtClean="0">
+                        <a:rPr lang="ko-KR" altLang="en-US" baseline="0" dirty="0" err="1">
                           <a:latin typeface="12롯데마트행복Light" panose="02020603020101020101" pitchFamily="18" charset="-127"/>
                           <a:ea typeface="12롯데마트행복Light" panose="02020603020101020101" pitchFamily="18" charset="-127"/>
                         </a:rPr>
                         <a:t>최상단</a:t>
                       </a:r>
                       <a:r>
-                        <a:rPr lang="ko-KR" altLang="en-US" baseline="0" dirty="0" smtClean="0">
+                        <a:rPr lang="ko-KR" altLang="en-US" baseline="0" dirty="0">
                           <a:latin typeface="12롯데마트행복Light" panose="02020603020101020101" pitchFamily="18" charset="-127"/>
                           <a:ea typeface="12롯데마트행복Light" panose="02020603020101020101" pitchFamily="18" charset="-127"/>
                         </a:rPr>
@@ -7515,6 +7378,11 @@
                     </a:lnBlToTr>
                   </a:tcPr>
                 </a:tc>
+                <a:extLst>
+                  <a:ext uri="{0D108BD9-81ED-4DB2-BD59-A6C34878D82A}">
+                    <a16:rowId xmlns:a16="http://schemas.microsoft.com/office/drawing/2014/main" val="10000"/>
+                  </a:ext>
+                </a:extLst>
               </a:tr>
               <a:tr h="893929">
                 <a:tc>
@@ -7540,7 +7408,7 @@
                         <a:defRPr/>
                       </a:pPr>
                       <a:r>
-                        <a:rPr lang="ko-KR" altLang="en-US" dirty="0" smtClean="0">
+                        <a:rPr lang="ko-KR" altLang="en-US" dirty="0">
                           <a:solidFill>
                             <a:srgbClr val="FFC000"/>
                           </a:solidFill>
@@ -7581,7 +7449,7 @@
                     <a:p>
                       <a:pPr algn="ctr" latinLnBrk="1"/>
                       <a:r>
-                        <a:rPr lang="en-US" altLang="ko-KR" dirty="0" smtClean="0">
+                        <a:rPr lang="en-US" altLang="ko-KR" dirty="0">
                           <a:latin typeface="12롯데마트행복Light" panose="02020603020101020101" pitchFamily="18" charset="-127"/>
                           <a:ea typeface="12롯데마트행복Light" panose="02020603020101020101" pitchFamily="18" charset="-127"/>
                         </a:rPr>
@@ -7623,28 +7491,28 @@
                     <a:p>
                       <a:pPr latinLnBrk="1"/>
                       <a:r>
-                        <a:rPr lang="ko-KR" altLang="en-US" dirty="0" smtClean="0">
+                        <a:rPr lang="ko-KR" altLang="en-US" dirty="0">
                           <a:latin typeface="12롯데마트행복Light" panose="02020603020101020101" pitchFamily="18" charset="-127"/>
                           <a:ea typeface="12롯데마트행복Light" panose="02020603020101020101" pitchFamily="18" charset="-127"/>
                         </a:rPr>
                         <a:t>가족의</a:t>
                       </a:r>
                       <a:r>
-                        <a:rPr lang="ko-KR" altLang="en-US" baseline="0" dirty="0" smtClean="0">
+                        <a:rPr lang="ko-KR" altLang="en-US" baseline="0" dirty="0">
                           <a:latin typeface="12롯데마트행복Light" panose="02020603020101020101" pitchFamily="18" charset="-127"/>
                           <a:ea typeface="12롯데마트행복Light" panose="02020603020101020101" pitchFamily="18" charset="-127"/>
                         </a:rPr>
                         <a:t> 건강과 행복을 대표하는 가족사진으로  </a:t>
                       </a:r>
                       <a:r>
-                        <a:rPr lang="en-US" altLang="ko-KR" baseline="0" dirty="0" smtClean="0">
+                        <a:rPr lang="en-US" altLang="ko-KR" baseline="0" dirty="0">
                           <a:latin typeface="12롯데마트행복Light" panose="02020603020101020101" pitchFamily="18" charset="-127"/>
                           <a:ea typeface="12롯데마트행복Light" panose="02020603020101020101" pitchFamily="18" charset="-127"/>
                         </a:rPr>
                         <a:t>VISUAL   </a:t>
                       </a:r>
                       <a:r>
-                        <a:rPr lang="ko-KR" altLang="en-US" baseline="0" dirty="0" smtClean="0">
+                        <a:rPr lang="ko-KR" altLang="en-US" baseline="0" dirty="0">
                           <a:latin typeface="12롯데마트행복Light" panose="02020603020101020101" pitchFamily="18" charset="-127"/>
                           <a:ea typeface="12롯데마트행복Light" panose="02020603020101020101" pitchFamily="18" charset="-127"/>
                         </a:rPr>
@@ -7679,6 +7547,11 @@
                     </a:lnBlToTr>
                   </a:tcPr>
                 </a:tc>
+                <a:extLst>
+                  <a:ext uri="{0D108BD9-81ED-4DB2-BD59-A6C34878D82A}">
+                    <a16:rowId xmlns:a16="http://schemas.microsoft.com/office/drawing/2014/main" val="10001"/>
+                  </a:ext>
+                </a:extLst>
               </a:tr>
               <a:tr h="893929">
                 <a:tc>
@@ -7688,7 +7561,7 @@
                     <a:p>
                       <a:pPr latinLnBrk="1"/>
                       <a:r>
-                        <a:rPr lang="ko-KR" altLang="en-US" dirty="0" smtClean="0">
+                        <a:rPr lang="ko-KR" altLang="en-US" dirty="0">
                           <a:solidFill>
                             <a:srgbClr val="0070C0"/>
                           </a:solidFill>
@@ -7697,13 +7570,6 @@
                         </a:rPr>
                         <a:t>●</a:t>
                       </a:r>
-                      <a:endParaRPr lang="ko-KR" altLang="en-US" dirty="0">
-                        <a:solidFill>
-                          <a:srgbClr val="0070C0"/>
-                        </a:solidFill>
-                        <a:latin typeface="12롯데마트행복Light" panose="02020603020101020101" pitchFamily="18" charset="-127"/>
-                        <a:ea typeface="12롯데마트행복Light" panose="02020603020101020101" pitchFamily="18" charset="-127"/>
-                      </a:endParaRPr>
                     </a:p>
                   </a:txBody>
                   <a:tcPr anchor="ctr">
@@ -7736,7 +7602,7 @@
                     <a:p>
                       <a:pPr algn="ctr" latinLnBrk="1"/>
                       <a:r>
-                        <a:rPr lang="en-US" altLang="ko-KR" dirty="0" smtClean="0">
+                        <a:rPr lang="en-US" altLang="ko-KR" dirty="0">
                           <a:latin typeface="12롯데마트행복Light" panose="02020603020101020101" pitchFamily="18" charset="-127"/>
                           <a:ea typeface="12롯데마트행복Light" panose="02020603020101020101" pitchFamily="18" charset="-127"/>
                         </a:rPr>
@@ -7778,34 +7644,34 @@
                     <a:p>
                       <a:pPr latinLnBrk="1"/>
                       <a:r>
-                        <a:rPr lang="ko-KR" altLang="en-US" dirty="0" err="1" smtClean="0">
+                        <a:rPr lang="ko-KR" altLang="en-US" dirty="0" err="1">
                           <a:latin typeface="12롯데마트행복Light" panose="02020603020101020101" pitchFamily="18" charset="-127"/>
                           <a:ea typeface="12롯데마트행복Light" panose="02020603020101020101" pitchFamily="18" charset="-127"/>
                         </a:rPr>
                         <a:t>메인화면에는</a:t>
                       </a:r>
                       <a:r>
-                        <a:rPr lang="ko-KR" altLang="en-US" dirty="0" smtClean="0">
+                        <a:rPr lang="ko-KR" altLang="en-US" dirty="0">
                           <a:latin typeface="12롯데마트행복Light" panose="02020603020101020101" pitchFamily="18" charset="-127"/>
                           <a:ea typeface="12롯데마트행복Light" panose="02020603020101020101" pitchFamily="18" charset="-127"/>
                         </a:rPr>
                         <a:t> 별도의 </a:t>
                       </a:r>
                       <a:r>
-                        <a:rPr lang="ko-KR" altLang="en-US" dirty="0" err="1" smtClean="0">
+                        <a:rPr lang="ko-KR" altLang="en-US" dirty="0" err="1">
                           <a:latin typeface="12롯데마트행복Light" panose="02020603020101020101" pitchFamily="18" charset="-127"/>
                           <a:ea typeface="12롯데마트행복Light" panose="02020603020101020101" pitchFamily="18" charset="-127"/>
                         </a:rPr>
                         <a:t>컨텐츠</a:t>
                       </a:r>
                       <a:r>
-                        <a:rPr lang="ko-KR" altLang="en-US" dirty="0" smtClean="0">
+                        <a:rPr lang="ko-KR" altLang="en-US" dirty="0">
                           <a:latin typeface="12롯데마트행복Light" panose="02020603020101020101" pitchFamily="18" charset="-127"/>
                           <a:ea typeface="12롯데마트행복Light" panose="02020603020101020101" pitchFamily="18" charset="-127"/>
                         </a:rPr>
                         <a:t> 없음</a:t>
                       </a:r>
-                      <a:endParaRPr lang="en-US" altLang="ko-KR" dirty="0" smtClean="0">
+                      <a:endParaRPr lang="en-US" altLang="ko-KR" dirty="0">
                         <a:latin typeface="12롯데마트행복Light" panose="02020603020101020101" pitchFamily="18" charset="-127"/>
                         <a:ea typeface="12롯데마트행복Light" panose="02020603020101020101" pitchFamily="18" charset="-127"/>
                       </a:endParaRPr>
@@ -7813,21 +7679,21 @@
                     <a:p>
                       <a:pPr latinLnBrk="1"/>
                       <a:r>
-                        <a:rPr lang="en-US" altLang="ko-KR" dirty="0" smtClean="0">
+                        <a:rPr lang="en-US" altLang="ko-KR" dirty="0">
                           <a:latin typeface="12롯데마트행복Light" panose="02020603020101020101" pitchFamily="18" charset="-127"/>
                           <a:ea typeface="12롯데마트행복Light" panose="02020603020101020101" pitchFamily="18" charset="-127"/>
                         </a:rPr>
                         <a:t>/ </a:t>
                       </a:r>
                       <a:r>
-                        <a:rPr lang="ko-KR" altLang="en-US" dirty="0" smtClean="0">
+                        <a:rPr lang="ko-KR" altLang="en-US" dirty="0">
                           <a:latin typeface="12롯데마트행복Light" panose="02020603020101020101" pitchFamily="18" charset="-127"/>
                           <a:ea typeface="12롯데마트행복Light" panose="02020603020101020101" pitchFamily="18" charset="-127"/>
                         </a:rPr>
                         <a:t>상세 내용은 서브</a:t>
                       </a:r>
                       <a:r>
-                        <a:rPr lang="ko-KR" altLang="en-US" baseline="0" dirty="0" smtClean="0">
+                        <a:rPr lang="ko-KR" altLang="en-US" baseline="0" dirty="0">
                           <a:latin typeface="12롯데마트행복Light" panose="02020603020101020101" pitchFamily="18" charset="-127"/>
                           <a:ea typeface="12롯데마트행복Light" panose="02020603020101020101" pitchFamily="18" charset="-127"/>
                         </a:rPr>
@@ -7862,6 +7728,11 @@
                     </a:lnBlToTr>
                   </a:tcPr>
                 </a:tc>
+                <a:extLst>
+                  <a:ext uri="{0D108BD9-81ED-4DB2-BD59-A6C34878D82A}">
+                    <a16:rowId xmlns:a16="http://schemas.microsoft.com/office/drawing/2014/main" val="10002"/>
+                  </a:ext>
+                </a:extLst>
               </a:tr>
               <a:tr h="893929">
                 <a:tc>
@@ -7871,7 +7742,7 @@
                     <a:p>
                       <a:pPr latinLnBrk="1"/>
                       <a:r>
-                        <a:rPr lang="ko-KR" altLang="en-US" dirty="0" smtClean="0">
+                        <a:rPr lang="ko-KR" altLang="en-US" dirty="0">
                           <a:solidFill>
                             <a:srgbClr val="7030A0"/>
                           </a:solidFill>
@@ -7880,13 +7751,6 @@
                         </a:rPr>
                         <a:t>●</a:t>
                       </a:r>
-                      <a:endParaRPr lang="ko-KR" altLang="en-US" dirty="0">
-                        <a:solidFill>
-                          <a:srgbClr val="7030A0"/>
-                        </a:solidFill>
-                        <a:latin typeface="12롯데마트행복Light" panose="02020603020101020101" pitchFamily="18" charset="-127"/>
-                        <a:ea typeface="12롯데마트행복Light" panose="02020603020101020101" pitchFamily="18" charset="-127"/>
-                      </a:endParaRPr>
                     </a:p>
                   </a:txBody>
                   <a:tcPr anchor="ctr">
@@ -7919,7 +7783,7 @@
                     <a:p>
                       <a:pPr algn="ctr" latinLnBrk="1"/>
                       <a:r>
-                        <a:rPr lang="en-US" altLang="ko-KR" dirty="0" smtClean="0">
+                        <a:rPr lang="en-US" altLang="ko-KR" dirty="0">
                           <a:latin typeface="12롯데마트행복Light" panose="02020603020101020101" pitchFamily="18" charset="-127"/>
                           <a:ea typeface="12롯데마트행복Light" panose="02020603020101020101" pitchFamily="18" charset="-127"/>
                         </a:rPr>
@@ -7961,21 +7825,21 @@
                     <a:p>
                       <a:pPr latinLnBrk="1"/>
                       <a:r>
-                        <a:rPr lang="en-US" altLang="ko-KR" dirty="0" smtClean="0">
+                        <a:rPr lang="en-US" altLang="ko-KR" dirty="0">
                           <a:latin typeface="12롯데마트행복Light" panose="02020603020101020101" pitchFamily="18" charset="-127"/>
                           <a:ea typeface="12롯데마트행복Light" panose="02020603020101020101" pitchFamily="18" charset="-127"/>
                         </a:rPr>
                         <a:t>SNS</a:t>
                       </a:r>
                       <a:r>
-                        <a:rPr lang="ko-KR" altLang="en-US" dirty="0" smtClean="0">
+                        <a:rPr lang="ko-KR" altLang="en-US" dirty="0">
                           <a:latin typeface="12롯데마트행복Light" panose="02020603020101020101" pitchFamily="18" charset="-127"/>
                           <a:ea typeface="12롯데마트행복Light" panose="02020603020101020101" pitchFamily="18" charset="-127"/>
                         </a:rPr>
                         <a:t>페이지 소개와 이용약관</a:t>
                       </a:r>
                       <a:r>
-                        <a:rPr lang="ko-KR" altLang="en-US" baseline="0" dirty="0" smtClean="0">
+                        <a:rPr lang="ko-KR" altLang="en-US" baseline="0" dirty="0">
                           <a:latin typeface="12롯데마트행복Light" panose="02020603020101020101" pitchFamily="18" charset="-127"/>
                           <a:ea typeface="12롯데마트행복Light" panose="02020603020101020101" pitchFamily="18" charset="-127"/>
                         </a:rPr>
@@ -8010,6 +7874,11 @@
                     </a:lnBlToTr>
                   </a:tcPr>
                 </a:tc>
+                <a:extLst>
+                  <a:ext uri="{0D108BD9-81ED-4DB2-BD59-A6C34878D82A}">
+                    <a16:rowId xmlns:a16="http://schemas.microsoft.com/office/drawing/2014/main" val="10003"/>
+                  </a:ext>
+                </a:extLst>
               </a:tr>
             </a:tbl>
           </a:graphicData>
@@ -8269,10 +8138,34 @@
                 <a:tableStyleId>{5C22544A-7EE6-4342-B048-85BDC9FD1C3A}</a:tableStyleId>
               </a:tblPr>
               <a:tblGrid>
-                <a:gridCol w="1028132"/>
-                <a:gridCol w="1028132"/>
-                <a:gridCol w="1028132"/>
-                <a:gridCol w="1028132"/>
+                <a:gridCol w="1028132">
+                  <a:extLst>
+                    <a:ext uri="{9D8B030D-6E8A-4147-A177-3AD203B41FA5}">
+                      <a16:colId xmlns:a16="http://schemas.microsoft.com/office/drawing/2014/main" val="20000"/>
+                    </a:ext>
+                  </a:extLst>
+                </a:gridCol>
+                <a:gridCol w="1028132">
+                  <a:extLst>
+                    <a:ext uri="{9D8B030D-6E8A-4147-A177-3AD203B41FA5}">
+                      <a16:colId xmlns:a16="http://schemas.microsoft.com/office/drawing/2014/main" val="20001"/>
+                    </a:ext>
+                  </a:extLst>
+                </a:gridCol>
+                <a:gridCol w="1028132">
+                  <a:extLst>
+                    <a:ext uri="{9D8B030D-6E8A-4147-A177-3AD203B41FA5}">
+                      <a16:colId xmlns:a16="http://schemas.microsoft.com/office/drawing/2014/main" val="20002"/>
+                    </a:ext>
+                  </a:extLst>
+                </a:gridCol>
+                <a:gridCol w="1028132">
+                  <a:extLst>
+                    <a:ext uri="{9D8B030D-6E8A-4147-A177-3AD203B41FA5}">
+                      <a16:colId xmlns:a16="http://schemas.microsoft.com/office/drawing/2014/main" val="20003"/>
+                    </a:ext>
+                  </a:extLst>
+                </a:gridCol>
               </a:tblGrid>
               <a:tr h="836181">
                 <a:tc>
@@ -8335,6 +8228,11 @@
                     </a:solidFill>
                   </a:tcPr>
                 </a:tc>
+                <a:extLst>
+                  <a:ext uri="{0D108BD9-81ED-4DB2-BD59-A6C34878D82A}">
+                    <a16:rowId xmlns:a16="http://schemas.microsoft.com/office/drawing/2014/main" val="10000"/>
+                  </a:ext>
+                </a:extLst>
               </a:tr>
             </a:tbl>
           </a:graphicData>
@@ -8345,7 +8243,7 @@
           <p:cNvPr id="18" name="사각형: 잘린 한쪽 모서리 10">
             <a:extLst>
               <a:ext uri="{FF2B5EF4-FFF2-40B4-BE49-F238E27FC236}">
-                <a16:creationId xmlns:a16="http://schemas.microsoft.com/office/drawing/2014/main" xmlns="" id="{9FF65406-D6D5-45A3-BBCC-EE736441D3B8}"/>
+                <a16:creationId xmlns:a16="http://schemas.microsoft.com/office/drawing/2014/main" id="{9FF65406-D6D5-45A3-BBCC-EE736441D3B8}"/>
               </a:ext>
             </a:extLst>
           </p:cNvPr>
@@ -8403,7 +8301,7 @@
           <p:cNvPr id="19" name="TextBox 18">
             <a:extLst>
               <a:ext uri="{FF2B5EF4-FFF2-40B4-BE49-F238E27FC236}">
-                <a16:creationId xmlns:a16="http://schemas.microsoft.com/office/drawing/2014/main" xmlns="" id="{EE3963EE-C57D-45EE-AEA6-C980ABEC9695}"/>
+                <a16:creationId xmlns:a16="http://schemas.microsoft.com/office/drawing/2014/main" id="{EE3963EE-C57D-45EE-AEA6-C980ABEC9695}"/>
               </a:ext>
             </a:extLst>
           </p:cNvPr>
@@ -8427,7 +8325,7 @@
           <a:lstStyle/>
           <a:p>
             <a:r>
-              <a:rPr lang="en-US" altLang="ko-KR" sz="3200" spc="-150" dirty="0" smtClean="0">
+              <a:rPr lang="en-US" altLang="ko-KR" sz="3200" spc="-150" dirty="0">
                 <a:ln>
                   <a:solidFill>
                     <a:schemeClr val="tx1">
@@ -8443,20 +8341,6 @@
               </a:rPr>
               <a:t>SITE 03.</a:t>
             </a:r>
-            <a:endParaRPr lang="en-US" altLang="ko-KR" sz="3200" spc="-150" dirty="0">
-              <a:ln>
-                <a:solidFill>
-                  <a:schemeClr val="tx1">
-                    <a:alpha val="1000"/>
-                  </a:schemeClr>
-                </a:solidFill>
-              </a:ln>
-              <a:solidFill>
-                <a:schemeClr val="bg1"/>
-              </a:solidFill>
-              <a:latin typeface="가나초콜릿" panose="020B0600000101010101" pitchFamily="50" charset="-127"/>
-              <a:ea typeface="가나초콜릿" panose="020B0600000101010101" pitchFamily="50" charset="-127"/>
-            </a:endParaRPr>
           </a:p>
         </p:txBody>
       </p:sp>
@@ -8465,7 +8349,7 @@
           <p:cNvPr id="24" name="직선 연결선 23">
             <a:extLst>
               <a:ext uri="{FF2B5EF4-FFF2-40B4-BE49-F238E27FC236}">
-                <a16:creationId xmlns:a16="http://schemas.microsoft.com/office/drawing/2014/main" xmlns="" id="{AB2FF6A1-E990-49C6-8ECB-65503268C179}"/>
+                <a16:creationId xmlns:a16="http://schemas.microsoft.com/office/drawing/2014/main" id="{AB2FF6A1-E990-49C6-8ECB-65503268C179}"/>
               </a:ext>
             </a:extLst>
           </p:cNvPr>
@@ -8508,7 +8392,7 @@
           <p:cNvPr id="25" name="TextBox 24">
             <a:extLst>
               <a:ext uri="{FF2B5EF4-FFF2-40B4-BE49-F238E27FC236}">
-                <a16:creationId xmlns:a16="http://schemas.microsoft.com/office/drawing/2014/main" xmlns="" id="{AB3B2B0C-C96B-43EC-97E1-FB24FAC6D323}"/>
+                <a16:creationId xmlns:a16="http://schemas.microsoft.com/office/drawing/2014/main" id="{AB3B2B0C-C96B-43EC-97E1-FB24FAC6D323}"/>
               </a:ext>
             </a:extLst>
           </p:cNvPr>
@@ -8533,7 +8417,7 @@
           <a:p>
             <a:pPr algn="r"/>
             <a:r>
-              <a:rPr lang="ko-KR" altLang="en-US" sz="3200" spc="-150" dirty="0" smtClean="0">
+              <a:rPr lang="ko-KR" altLang="en-US" sz="3200" spc="-150" dirty="0">
                 <a:ln>
                   <a:solidFill>
                     <a:schemeClr val="tx1">
@@ -8621,9 +8505,27 @@
                 <a:tableStyleId>{5940675A-B579-460E-94D1-54222C63F5DA}</a:tableStyleId>
               </a:tblPr>
               <a:tblGrid>
-                <a:gridCol w="406761"/>
-                <a:gridCol w="1397996"/>
-                <a:gridCol w="4136568"/>
+                <a:gridCol w="406761">
+                  <a:extLst>
+                    <a:ext uri="{9D8B030D-6E8A-4147-A177-3AD203B41FA5}">
+                      <a16:colId xmlns:a16="http://schemas.microsoft.com/office/drawing/2014/main" val="20000"/>
+                    </a:ext>
+                  </a:extLst>
+                </a:gridCol>
+                <a:gridCol w="1397996">
+                  <a:extLst>
+                    <a:ext uri="{9D8B030D-6E8A-4147-A177-3AD203B41FA5}">
+                      <a16:colId xmlns:a16="http://schemas.microsoft.com/office/drawing/2014/main" val="20001"/>
+                    </a:ext>
+                  </a:extLst>
+                </a:gridCol>
+                <a:gridCol w="4136568">
+                  <a:extLst>
+                    <a:ext uri="{9D8B030D-6E8A-4147-A177-3AD203B41FA5}">
+                      <a16:colId xmlns:a16="http://schemas.microsoft.com/office/drawing/2014/main" val="20002"/>
+                    </a:ext>
+                  </a:extLst>
+                </a:gridCol>
               </a:tblGrid>
               <a:tr h="893929">
                 <a:tc>
@@ -8633,7 +8535,7 @@
                     <a:p>
                       <a:pPr latinLnBrk="1"/>
                       <a:r>
-                        <a:rPr lang="ko-KR" altLang="en-US" dirty="0" smtClean="0">
+                        <a:rPr lang="ko-KR" altLang="en-US" dirty="0">
                           <a:solidFill>
                             <a:schemeClr val="accent6"/>
                           </a:solidFill>
@@ -8642,13 +8544,6 @@
                         </a:rPr>
                         <a:t>●</a:t>
                       </a:r>
-                      <a:endParaRPr lang="ko-KR" altLang="en-US" dirty="0">
-                        <a:solidFill>
-                          <a:schemeClr val="accent6"/>
-                        </a:solidFill>
-                        <a:latin typeface="12롯데마트행복Light" panose="02020603020101020101" pitchFamily="18" charset="-127"/>
-                        <a:ea typeface="12롯데마트행복Light" panose="02020603020101020101" pitchFamily="18" charset="-127"/>
-                      </a:endParaRPr>
                     </a:p>
                   </a:txBody>
                   <a:tcPr anchor="ctr">
@@ -8681,7 +8576,7 @@
                     <a:p>
                       <a:pPr algn="ctr" latinLnBrk="1"/>
                       <a:r>
-                        <a:rPr lang="en-US" altLang="ko-KR" dirty="0" smtClean="0">
+                        <a:rPr lang="en-US" altLang="ko-KR" dirty="0">
                           <a:latin typeface="12롯데마트행복Light" panose="02020603020101020101" pitchFamily="18" charset="-127"/>
                           <a:ea typeface="12롯데마트행복Light" panose="02020603020101020101" pitchFamily="18" charset="-127"/>
                         </a:rPr>
@@ -8723,35 +8618,35 @@
                     <a:p>
                       <a:pPr latinLnBrk="1"/>
                       <a:r>
-                        <a:rPr lang="ko-KR" altLang="en-US" dirty="0" smtClean="0">
+                        <a:rPr lang="ko-KR" altLang="en-US" dirty="0">
                           <a:latin typeface="12롯데마트행복Light" panose="02020603020101020101" pitchFamily="18" charset="-127"/>
                           <a:ea typeface="12롯데마트행복Light" panose="02020603020101020101" pitchFamily="18" charset="-127"/>
                         </a:rPr>
                         <a:t>로고와 메뉴 배치 </a:t>
                       </a:r>
                       <a:r>
-                        <a:rPr lang="en-US" altLang="ko-KR" dirty="0" smtClean="0">
+                        <a:rPr lang="en-US" altLang="ko-KR" dirty="0">
                           <a:latin typeface="12롯데마트행복Light" panose="02020603020101020101" pitchFamily="18" charset="-127"/>
                           <a:ea typeface="12롯데마트행복Light" panose="02020603020101020101" pitchFamily="18" charset="-127"/>
                         </a:rPr>
                         <a:t>/ </a:t>
                       </a:r>
                       <a:r>
-                        <a:rPr lang="ko-KR" altLang="en-US" dirty="0" err="1" smtClean="0">
+                        <a:rPr lang="ko-KR" altLang="en-US" dirty="0" err="1">
                           <a:latin typeface="12롯데마트행복Light" panose="02020603020101020101" pitchFamily="18" charset="-127"/>
                           <a:ea typeface="12롯데마트행복Light" panose="02020603020101020101" pitchFamily="18" charset="-127"/>
                         </a:rPr>
                         <a:t>페이스북</a:t>
                       </a:r>
                       <a:r>
-                        <a:rPr lang="ko-KR" altLang="en-US" dirty="0" smtClean="0">
+                        <a:rPr lang="ko-KR" altLang="en-US" dirty="0">
                           <a:latin typeface="12롯데마트행복Light" panose="02020603020101020101" pitchFamily="18" charset="-127"/>
                           <a:ea typeface="12롯데마트행복Light" panose="02020603020101020101" pitchFamily="18" charset="-127"/>
                         </a:rPr>
                         <a:t> 아이콘 배치</a:t>
                       </a:r>
                       <a:r>
-                        <a:rPr lang="en-US" altLang="ko-KR" dirty="0" smtClean="0">
+                        <a:rPr lang="en-US" altLang="ko-KR" dirty="0">
                           <a:latin typeface="12롯데마트행복Light" panose="02020603020101020101" pitchFamily="18" charset="-127"/>
                           <a:ea typeface="12롯데마트행복Light" panose="02020603020101020101" pitchFamily="18" charset="-127"/>
                         </a:rPr>
@@ -8761,35 +8656,35 @@
                     <a:p>
                       <a:pPr latinLnBrk="1"/>
                       <a:r>
-                        <a:rPr lang="ko-KR" altLang="en-US" dirty="0" err="1" smtClean="0">
+                        <a:rPr lang="ko-KR" altLang="en-US" dirty="0" err="1">
                           <a:latin typeface="12롯데마트행복Light" panose="02020603020101020101" pitchFamily="18" charset="-127"/>
                           <a:ea typeface="12롯데마트행복Light" panose="02020603020101020101" pitchFamily="18" charset="-127"/>
                         </a:rPr>
                         <a:t>최상단에</a:t>
                       </a:r>
                       <a:r>
-                        <a:rPr lang="ko-KR" altLang="en-US" dirty="0" smtClean="0">
+                        <a:rPr lang="ko-KR" altLang="en-US" dirty="0">
                           <a:latin typeface="12롯데마트행복Light" panose="02020603020101020101" pitchFamily="18" charset="-127"/>
                           <a:ea typeface="12롯데마트행복Light" panose="02020603020101020101" pitchFamily="18" charset="-127"/>
                         </a:rPr>
                         <a:t> 고객센터와  </a:t>
                       </a:r>
                       <a:r>
-                        <a:rPr lang="en-US" altLang="ko-KR" dirty="0" smtClean="0">
+                        <a:rPr lang="en-US" altLang="ko-KR" dirty="0">
                           <a:latin typeface="12롯데마트행복Light" panose="02020603020101020101" pitchFamily="18" charset="-127"/>
                           <a:ea typeface="12롯데마트행복Light" panose="02020603020101020101" pitchFamily="18" charset="-127"/>
                         </a:rPr>
                         <a:t>SITE</a:t>
                       </a:r>
                       <a:r>
-                        <a:rPr lang="en-US" altLang="ko-KR" baseline="0" dirty="0" smtClean="0">
+                        <a:rPr lang="en-US" altLang="ko-KR" baseline="0" dirty="0">
                           <a:latin typeface="12롯데마트행복Light" panose="02020603020101020101" pitchFamily="18" charset="-127"/>
                           <a:ea typeface="12롯데마트행복Light" panose="02020603020101020101" pitchFamily="18" charset="-127"/>
                         </a:rPr>
                         <a:t> MAP  </a:t>
                       </a:r>
                       <a:r>
-                        <a:rPr lang="ko-KR" altLang="en-US" baseline="0" dirty="0" smtClean="0">
+                        <a:rPr lang="ko-KR" altLang="en-US" baseline="0" dirty="0">
                           <a:latin typeface="12롯데마트행복Light" panose="02020603020101020101" pitchFamily="18" charset="-127"/>
                           <a:ea typeface="12롯데마트행복Light" panose="02020603020101020101" pitchFamily="18" charset="-127"/>
                         </a:rPr>
@@ -8824,6 +8719,11 @@
                     </a:lnBlToTr>
                   </a:tcPr>
                 </a:tc>
+                <a:extLst>
+                  <a:ext uri="{0D108BD9-81ED-4DB2-BD59-A6C34878D82A}">
+                    <a16:rowId xmlns:a16="http://schemas.microsoft.com/office/drawing/2014/main" val="10000"/>
+                  </a:ext>
+                </a:extLst>
               </a:tr>
               <a:tr h="893929">
                 <a:tc>
@@ -8849,7 +8749,7 @@
                         <a:defRPr/>
                       </a:pPr>
                       <a:r>
-                        <a:rPr lang="ko-KR" altLang="en-US" dirty="0" smtClean="0">
+                        <a:rPr lang="ko-KR" altLang="en-US" dirty="0">
                           <a:solidFill>
                             <a:srgbClr val="FFC000"/>
                           </a:solidFill>
@@ -8890,7 +8790,7 @@
                     <a:p>
                       <a:pPr algn="ctr" latinLnBrk="1"/>
                       <a:r>
-                        <a:rPr lang="en-US" altLang="ko-KR" dirty="0" smtClean="0">
+                        <a:rPr lang="en-US" altLang="ko-KR" dirty="0">
                           <a:latin typeface="12롯데마트행복Light" panose="02020603020101020101" pitchFamily="18" charset="-127"/>
                           <a:ea typeface="12롯데마트행복Light" panose="02020603020101020101" pitchFamily="18" charset="-127"/>
                         </a:rPr>
@@ -8932,14 +8832,14 @@
                     <a:p>
                       <a:pPr latinLnBrk="1"/>
                       <a:r>
-                        <a:rPr lang="ko-KR" altLang="en-US" dirty="0" smtClean="0">
+                        <a:rPr lang="ko-KR" altLang="en-US" dirty="0">
                           <a:latin typeface="12롯데마트행복Light" panose="02020603020101020101" pitchFamily="18" charset="-127"/>
                           <a:ea typeface="12롯데마트행복Light" panose="02020603020101020101" pitchFamily="18" charset="-127"/>
                         </a:rPr>
                         <a:t>놀이동산을 연상시키는 일러스트</a:t>
                       </a:r>
                       <a:r>
-                        <a:rPr lang="ko-KR" altLang="en-US" baseline="0" dirty="0" smtClean="0">
+                        <a:rPr lang="ko-KR" altLang="en-US" baseline="0" dirty="0">
                           <a:latin typeface="12롯데마트행복Light" panose="02020603020101020101" pitchFamily="18" charset="-127"/>
                           <a:ea typeface="12롯데마트행복Light" panose="02020603020101020101" pitchFamily="18" charset="-127"/>
                         </a:rPr>
@@ -8974,6 +8874,11 @@
                     </a:lnBlToTr>
                   </a:tcPr>
                 </a:tc>
+                <a:extLst>
+                  <a:ext uri="{0D108BD9-81ED-4DB2-BD59-A6C34878D82A}">
+                    <a16:rowId xmlns:a16="http://schemas.microsoft.com/office/drawing/2014/main" val="10001"/>
+                  </a:ext>
+                </a:extLst>
               </a:tr>
               <a:tr h="893929">
                 <a:tc>
@@ -8983,7 +8888,7 @@
                     <a:p>
                       <a:pPr latinLnBrk="1"/>
                       <a:r>
-                        <a:rPr lang="ko-KR" altLang="en-US" dirty="0" smtClean="0">
+                        <a:rPr lang="ko-KR" altLang="en-US" dirty="0">
                           <a:solidFill>
                             <a:srgbClr val="0070C0"/>
                           </a:solidFill>
@@ -8992,13 +8897,6 @@
                         </a:rPr>
                         <a:t>●</a:t>
                       </a:r>
-                      <a:endParaRPr lang="ko-KR" altLang="en-US" dirty="0">
-                        <a:solidFill>
-                          <a:srgbClr val="0070C0"/>
-                        </a:solidFill>
-                        <a:latin typeface="12롯데마트행복Light" panose="02020603020101020101" pitchFamily="18" charset="-127"/>
-                        <a:ea typeface="12롯데마트행복Light" panose="02020603020101020101" pitchFamily="18" charset="-127"/>
-                      </a:endParaRPr>
                     </a:p>
                   </a:txBody>
                   <a:tcPr anchor="ctr">
@@ -9031,7 +8929,7 @@
                     <a:p>
                       <a:pPr algn="ctr" latinLnBrk="1"/>
                       <a:r>
-                        <a:rPr lang="en-US" altLang="ko-KR" dirty="0" smtClean="0">
+                        <a:rPr lang="en-US" altLang="ko-KR" dirty="0">
                           <a:latin typeface="12롯데마트행복Light" panose="02020603020101020101" pitchFamily="18" charset="-127"/>
                           <a:ea typeface="12롯데마트행복Light" panose="02020603020101020101" pitchFamily="18" charset="-127"/>
                         </a:rPr>
@@ -9073,16 +8971,12 @@
                     <a:p>
                       <a:pPr latinLnBrk="1"/>
                       <a:r>
-                        <a:rPr lang="ko-KR" altLang="en-US" dirty="0" smtClean="0">
+                        <a:rPr lang="ko-KR" altLang="en-US" dirty="0">
                           <a:latin typeface="12롯데마트행복Light" panose="02020603020101020101" pitchFamily="18" charset="-127"/>
                           <a:ea typeface="12롯데마트행복Light" panose="02020603020101020101" pitchFamily="18" charset="-127"/>
                         </a:rPr>
                         <a:t>기업의 가치와 이벤트 행사 안내</a:t>
                       </a:r>
-                      <a:endParaRPr lang="ko-KR" altLang="en-US" dirty="0">
-                        <a:latin typeface="12롯데마트행복Light" panose="02020603020101020101" pitchFamily="18" charset="-127"/>
-                        <a:ea typeface="12롯데마트행복Light" panose="02020603020101020101" pitchFamily="18" charset="-127"/>
-                      </a:endParaRPr>
                     </a:p>
                   </a:txBody>
                   <a:tcPr anchor="ctr">
@@ -9108,6 +9002,11 @@
                     </a:lnBlToTr>
                   </a:tcPr>
                 </a:tc>
+                <a:extLst>
+                  <a:ext uri="{0D108BD9-81ED-4DB2-BD59-A6C34878D82A}">
+                    <a16:rowId xmlns:a16="http://schemas.microsoft.com/office/drawing/2014/main" val="10002"/>
+                  </a:ext>
+                </a:extLst>
               </a:tr>
               <a:tr h="893929">
                 <a:tc>
@@ -9117,7 +9016,7 @@
                     <a:p>
                       <a:pPr latinLnBrk="1"/>
                       <a:r>
-                        <a:rPr lang="ko-KR" altLang="en-US" dirty="0" smtClean="0">
+                        <a:rPr lang="ko-KR" altLang="en-US" dirty="0">
                           <a:solidFill>
                             <a:srgbClr val="7030A0"/>
                           </a:solidFill>
@@ -9126,13 +9025,6 @@
                         </a:rPr>
                         <a:t>●</a:t>
                       </a:r>
-                      <a:endParaRPr lang="ko-KR" altLang="en-US" dirty="0">
-                        <a:solidFill>
-                          <a:srgbClr val="7030A0"/>
-                        </a:solidFill>
-                        <a:latin typeface="12롯데마트행복Light" panose="02020603020101020101" pitchFamily="18" charset="-127"/>
-                        <a:ea typeface="12롯데마트행복Light" panose="02020603020101020101" pitchFamily="18" charset="-127"/>
-                      </a:endParaRPr>
                     </a:p>
                   </a:txBody>
                   <a:tcPr anchor="ctr">
@@ -9165,7 +9057,7 @@
                     <a:p>
                       <a:pPr algn="ctr" latinLnBrk="1"/>
                       <a:r>
-                        <a:rPr lang="en-US" altLang="ko-KR" dirty="0" smtClean="0">
+                        <a:rPr lang="en-US" altLang="ko-KR" dirty="0">
                           <a:latin typeface="12롯데마트행복Light" panose="02020603020101020101" pitchFamily="18" charset="-127"/>
                           <a:ea typeface="12롯데마트행복Light" panose="02020603020101020101" pitchFamily="18" charset="-127"/>
                         </a:rPr>
@@ -9207,16 +9099,12 @@
                     <a:p>
                       <a:pPr latinLnBrk="1"/>
                       <a:r>
-                        <a:rPr lang="ko-KR" altLang="en-US" dirty="0" smtClean="0">
+                        <a:rPr lang="ko-KR" altLang="en-US" dirty="0">
                           <a:latin typeface="12롯데마트행복Light" panose="02020603020101020101" pitchFamily="18" charset="-127"/>
                           <a:ea typeface="12롯데마트행복Light" panose="02020603020101020101" pitchFamily="18" charset="-127"/>
                         </a:rPr>
                         <a:t>기업명과 주소 배치</a:t>
                       </a:r>
-                      <a:endParaRPr lang="ko-KR" altLang="en-US" dirty="0">
-                        <a:latin typeface="12롯데마트행복Light" panose="02020603020101020101" pitchFamily="18" charset="-127"/>
-                        <a:ea typeface="12롯데마트행복Light" panose="02020603020101020101" pitchFamily="18" charset="-127"/>
-                      </a:endParaRPr>
                     </a:p>
                   </a:txBody>
                   <a:tcPr anchor="ctr">
@@ -9242,6 +9130,11 @@
                     </a:lnBlToTr>
                   </a:tcPr>
                 </a:tc>
+                <a:extLst>
+                  <a:ext uri="{0D108BD9-81ED-4DB2-BD59-A6C34878D82A}">
+                    <a16:rowId xmlns:a16="http://schemas.microsoft.com/office/drawing/2014/main" val="10003"/>
+                  </a:ext>
+                </a:extLst>
               </a:tr>
             </a:tbl>
           </a:graphicData>
@@ -9789,7 +9682,7 @@
           <a:lstStyle/>
           <a:p>
             <a:r>
-              <a:rPr lang="en-US" altLang="ko-KR" sz="25000" b="1" dirty="0" smtClean="0">
+              <a:rPr lang="en-US" altLang="ko-KR" sz="25000" b="1" dirty="0">
                 <a:ln>
                   <a:solidFill>
                     <a:srgbClr val="D31515"/>
@@ -10116,7 +10009,7 @@
   <a:extraClrSchemeLst/>
   <a:extLst>
     <a:ext uri="{05A4C25C-085E-4340-85A3-A5531E510DB2}">
-      <thm15:themeFamily xmlns:thm15="http://schemas.microsoft.com/office/thememl/2012/main" xmlns="" name="Office Theme" id="{62F939B6-93AF-4DB8-9C6B-D6C7DFDC589F}" vid="{4A3C46E8-61CC-4603-A589-7422A47A8E4A}"/>
+      <thm15:themeFamily xmlns:thm15="http://schemas.microsoft.com/office/thememl/2012/main" name="Office Theme" id="{62F939B6-93AF-4DB8-9C6B-D6C7DFDC589F}" vid="{4A3C46E8-61CC-4603-A589-7422A47A8E4A}"/>
     </a:ext>
   </a:extLst>
 </a:theme>
@@ -10411,7 +10304,7 @@
   <a:extraClrSchemeLst/>
   <a:extLst>
     <a:ext uri="{05A4C25C-085E-4340-85A3-A5531E510DB2}">
-      <thm15:themeFamily xmlns:thm15="http://schemas.microsoft.com/office/thememl/2012/main" xmlns="" name="Office Theme" id="{62F939B6-93AF-4DB8-9C6B-D6C7DFDC589F}" vid="{4A3C46E8-61CC-4603-A589-7422A47A8E4A}"/>
+      <thm15:themeFamily xmlns:thm15="http://schemas.microsoft.com/office/thememl/2012/main" name="Office Theme" id="{62F939B6-93AF-4DB8-9C6B-D6C7DFDC589F}" vid="{4A3C46E8-61CC-4603-A589-7422A47A8E4A}"/>
     </a:ext>
   </a:extLst>
 </a:theme>
